--- a/Project_E_N/бот в телеграмме презентация.pptx
+++ b/Project_E_N/бот в телеграмме презентация.pptx
@@ -5,12 +5,12 @@
     <p:sldMasterId id="2147483648" r:id="rId1"/>
   </p:sldMasterIdLst>
   <p:sldIdLst>
-    <p:sldId id="256" r:id="rId3"/>
-    <p:sldId id="257" r:id="rId4"/>
-    <p:sldId id="258" r:id="rId5"/>
-    <p:sldId id="259" r:id="rId6"/>
-    <p:sldId id="260" r:id="rId7"/>
-    <p:sldId id="261" r:id="rId8"/>
+    <p:sldId id="256" r:id="rId2"/>
+    <p:sldId id="257" r:id="rId3"/>
+    <p:sldId id="258" r:id="rId4"/>
+    <p:sldId id="259" r:id="rId5"/>
+    <p:sldId id="260" r:id="rId6"/>
+    <p:sldId id="261" r:id="rId7"/>
   </p:sldIdLst>
   <p:sldSz cx="12192000" cy="6858000"/>
   <p:notesSz cx="6858000" cy="9144000"/>
@@ -109,6 +109,11 @@
       </a:defRPr>
     </a:lvl9pPr>
   </p:defaultTextStyle>
+  <p:extLst>
+    <p:ext uri="{EFAFB233-063F-42B5-8137-9DF3F51BA10A}">
+      <p15:sldGuideLst xmlns:p15="http://schemas.microsoft.com/office/powerpoint/2012/main"/>
+    </p:ext>
+  </p:extLst>
 </p:presentation>
 </file>
 
@@ -243,6 +248,7 @@
           <a:p>
             <a:fld id="{63A1C593-65D0-4073-BCC9-577B9352EA97}" type="datetimeFigureOut">
               <a:rPr lang="en-US" smtClean="0"/>
+              <a:t>5/5/2022</a:t>
             </a:fld>
             <a:endParaRPr lang="en-US"/>
           </a:p>
@@ -284,6 +290,7 @@
           <a:p>
             <a:fld id="{9B618960-8005-486C-9A75-10CB2AAC16F9}" type="slidenum">
               <a:rPr lang="en-US" smtClean="0"/>
+              <a:t>‹#›</a:t>
             </a:fld>
             <a:endParaRPr lang="en-US"/>
           </a:p>
@@ -357,7 +364,6 @@
               <a:rPr lang="en-US" smtClean="0"/>
               <a:t>Click to edit Master text styles</a:t>
             </a:r>
-            <a:endParaRPr lang="en-US" smtClean="0"/>
           </a:p>
           <a:p>
             <a:pPr lvl="1"/>
@@ -365,7 +371,6 @@
               <a:rPr lang="en-US" smtClean="0"/>
               <a:t>Second level</a:t>
             </a:r>
-            <a:endParaRPr lang="en-US" smtClean="0"/>
           </a:p>
           <a:p>
             <a:pPr lvl="2"/>
@@ -373,7 +378,6 @@
               <a:rPr lang="en-US" smtClean="0"/>
               <a:t>Third level</a:t>
             </a:r>
-            <a:endParaRPr lang="en-US" smtClean="0"/>
           </a:p>
           <a:p>
             <a:pPr lvl="3"/>
@@ -381,7 +385,6 @@
               <a:rPr lang="en-US" smtClean="0"/>
               <a:t>Fourth level</a:t>
             </a:r>
-            <a:endParaRPr lang="en-US" smtClean="0"/>
           </a:p>
           <a:p>
             <a:pPr lvl="4"/>
@@ -410,6 +413,7 @@
           <a:p>
             <a:fld id="{63A1C593-65D0-4073-BCC9-577B9352EA97}" type="datetimeFigureOut">
               <a:rPr lang="en-US" smtClean="0"/>
+              <a:t>5/5/2022</a:t>
             </a:fld>
             <a:endParaRPr lang="en-US"/>
           </a:p>
@@ -451,6 +455,7 @@
           <a:p>
             <a:fld id="{9B618960-8005-486C-9A75-10CB2AAC16F9}" type="slidenum">
               <a:rPr lang="en-US" smtClean="0"/>
+              <a:t>‹#›</a:t>
             </a:fld>
             <a:endParaRPr lang="en-US"/>
           </a:p>
@@ -534,7 +539,6 @@
               <a:rPr lang="en-US" smtClean="0"/>
               <a:t>Click to edit Master text styles</a:t>
             </a:r>
-            <a:endParaRPr lang="en-US" smtClean="0"/>
           </a:p>
           <a:p>
             <a:pPr lvl="1"/>
@@ -542,7 +546,6 @@
               <a:rPr lang="en-US" smtClean="0"/>
               <a:t>Second level</a:t>
             </a:r>
-            <a:endParaRPr lang="en-US" smtClean="0"/>
           </a:p>
           <a:p>
             <a:pPr lvl="2"/>
@@ -550,7 +553,6 @@
               <a:rPr lang="en-US" smtClean="0"/>
               <a:t>Third level</a:t>
             </a:r>
-            <a:endParaRPr lang="en-US" smtClean="0"/>
           </a:p>
           <a:p>
             <a:pPr lvl="3"/>
@@ -558,7 +560,6 @@
               <a:rPr lang="en-US" smtClean="0"/>
               <a:t>Fourth level</a:t>
             </a:r>
-            <a:endParaRPr lang="en-US" smtClean="0"/>
           </a:p>
           <a:p>
             <a:pPr lvl="4"/>
@@ -587,6 +588,7 @@
           <a:p>
             <a:fld id="{63A1C593-65D0-4073-BCC9-577B9352EA97}" type="datetimeFigureOut">
               <a:rPr lang="en-US" smtClean="0"/>
+              <a:t>5/5/2022</a:t>
             </a:fld>
             <a:endParaRPr lang="en-US"/>
           </a:p>
@@ -628,6 +630,7 @@
           <a:p>
             <a:fld id="{9B618960-8005-486C-9A75-10CB2AAC16F9}" type="slidenum">
               <a:rPr lang="en-US" smtClean="0"/>
+              <a:t>‹#›</a:t>
             </a:fld>
             <a:endParaRPr lang="en-US"/>
           </a:p>
@@ -701,7 +704,6 @@
               <a:rPr lang="en-US" smtClean="0"/>
               <a:t>Click to edit Master text styles</a:t>
             </a:r>
-            <a:endParaRPr lang="en-US" smtClean="0"/>
           </a:p>
           <a:p>
             <a:pPr lvl="1"/>
@@ -709,7 +711,6 @@
               <a:rPr lang="en-US" smtClean="0"/>
               <a:t>Second level</a:t>
             </a:r>
-            <a:endParaRPr lang="en-US" smtClean="0"/>
           </a:p>
           <a:p>
             <a:pPr lvl="2"/>
@@ -717,7 +718,6 @@
               <a:rPr lang="en-US" smtClean="0"/>
               <a:t>Third level</a:t>
             </a:r>
-            <a:endParaRPr lang="en-US" smtClean="0"/>
           </a:p>
           <a:p>
             <a:pPr lvl="3"/>
@@ -725,7 +725,6 @@
               <a:rPr lang="en-US" smtClean="0"/>
               <a:t>Fourth level</a:t>
             </a:r>
-            <a:endParaRPr lang="en-US" smtClean="0"/>
           </a:p>
           <a:p>
             <a:pPr lvl="4"/>
@@ -754,6 +753,7 @@
           <a:p>
             <a:fld id="{63A1C593-65D0-4073-BCC9-577B9352EA97}" type="datetimeFigureOut">
               <a:rPr lang="en-US" smtClean="0"/>
+              <a:t>5/5/2022</a:t>
             </a:fld>
             <a:endParaRPr lang="en-US"/>
           </a:p>
@@ -795,6 +795,7 @@
           <a:p>
             <a:fld id="{9B618960-8005-486C-9A75-10CB2AAC16F9}" type="slidenum">
               <a:rPr lang="en-US" smtClean="0"/>
+              <a:t>‹#›</a:t>
             </a:fld>
             <a:endParaRPr lang="en-US"/>
           </a:p>
@@ -973,7 +974,6 @@
               <a:rPr lang="en-US" smtClean="0"/>
               <a:t>Click to edit Master text styles</a:t>
             </a:r>
-            <a:endParaRPr lang="en-US" smtClean="0"/>
           </a:p>
         </p:txBody>
       </p:sp>
@@ -994,6 +994,7 @@
           <a:p>
             <a:fld id="{63A1C593-65D0-4073-BCC9-577B9352EA97}" type="datetimeFigureOut">
               <a:rPr lang="en-US" smtClean="0"/>
+              <a:t>5/5/2022</a:t>
             </a:fld>
             <a:endParaRPr lang="en-US"/>
           </a:p>
@@ -1035,6 +1036,7 @@
           <a:p>
             <a:fld id="{9B618960-8005-486C-9A75-10CB2AAC16F9}" type="slidenum">
               <a:rPr lang="en-US" smtClean="0"/>
+              <a:t>‹#›</a:t>
             </a:fld>
             <a:endParaRPr lang="en-US"/>
           </a:p>
@@ -1113,7 +1115,6 @@
               <a:rPr lang="en-US" smtClean="0"/>
               <a:t>Click to edit Master text styles</a:t>
             </a:r>
-            <a:endParaRPr lang="en-US" smtClean="0"/>
           </a:p>
           <a:p>
             <a:pPr lvl="1"/>
@@ -1121,7 +1122,6 @@
               <a:rPr lang="en-US" smtClean="0"/>
               <a:t>Second level</a:t>
             </a:r>
-            <a:endParaRPr lang="en-US" smtClean="0"/>
           </a:p>
           <a:p>
             <a:pPr lvl="2"/>
@@ -1129,7 +1129,6 @@
               <a:rPr lang="en-US" smtClean="0"/>
               <a:t>Third level</a:t>
             </a:r>
-            <a:endParaRPr lang="en-US" smtClean="0"/>
           </a:p>
           <a:p>
             <a:pPr lvl="3"/>
@@ -1137,7 +1136,6 @@
               <a:rPr lang="en-US" smtClean="0"/>
               <a:t>Fourth level</a:t>
             </a:r>
-            <a:endParaRPr lang="en-US" smtClean="0"/>
           </a:p>
           <a:p>
             <a:pPr lvl="4"/>
@@ -1174,7 +1172,6 @@
               <a:rPr lang="en-US" smtClean="0"/>
               <a:t>Click to edit Master text styles</a:t>
             </a:r>
-            <a:endParaRPr lang="en-US" smtClean="0"/>
           </a:p>
           <a:p>
             <a:pPr lvl="1"/>
@@ -1182,7 +1179,6 @@
               <a:rPr lang="en-US" smtClean="0"/>
               <a:t>Second level</a:t>
             </a:r>
-            <a:endParaRPr lang="en-US" smtClean="0"/>
           </a:p>
           <a:p>
             <a:pPr lvl="2"/>
@@ -1190,7 +1186,6 @@
               <a:rPr lang="en-US" smtClean="0"/>
               <a:t>Third level</a:t>
             </a:r>
-            <a:endParaRPr lang="en-US" smtClean="0"/>
           </a:p>
           <a:p>
             <a:pPr lvl="3"/>
@@ -1198,7 +1193,6 @@
               <a:rPr lang="en-US" smtClean="0"/>
               <a:t>Fourth level</a:t>
             </a:r>
-            <a:endParaRPr lang="en-US" smtClean="0"/>
           </a:p>
           <a:p>
             <a:pPr lvl="4"/>
@@ -1227,6 +1221,7 @@
           <a:p>
             <a:fld id="{63A1C593-65D0-4073-BCC9-577B9352EA97}" type="datetimeFigureOut">
               <a:rPr lang="en-US" smtClean="0"/>
+              <a:t>5/5/2022</a:t>
             </a:fld>
             <a:endParaRPr lang="en-US"/>
           </a:p>
@@ -1268,6 +1263,7 @@
           <a:p>
             <a:fld id="{9B618960-8005-486C-9A75-10CB2AAC16F9}" type="slidenum">
               <a:rPr lang="en-US" smtClean="0"/>
+              <a:t>‹#›</a:t>
             </a:fld>
             <a:endParaRPr lang="en-US"/>
           </a:p>
@@ -1388,7 +1384,6 @@
               <a:rPr lang="en-US" smtClean="0"/>
               <a:t>Click to edit Master text styles</a:t>
             </a:r>
-            <a:endParaRPr lang="en-US" smtClean="0"/>
           </a:p>
         </p:txBody>
       </p:sp>
@@ -1417,7 +1412,6 @@
               <a:rPr lang="en-US" smtClean="0"/>
               <a:t>Click to edit Master text styles</a:t>
             </a:r>
-            <a:endParaRPr lang="en-US" smtClean="0"/>
           </a:p>
           <a:p>
             <a:pPr lvl="1"/>
@@ -1425,7 +1419,6 @@
               <a:rPr lang="en-US" smtClean="0"/>
               <a:t>Second level</a:t>
             </a:r>
-            <a:endParaRPr lang="en-US" smtClean="0"/>
           </a:p>
           <a:p>
             <a:pPr lvl="2"/>
@@ -1433,7 +1426,6 @@
               <a:rPr lang="en-US" smtClean="0"/>
               <a:t>Third level</a:t>
             </a:r>
-            <a:endParaRPr lang="en-US" smtClean="0"/>
           </a:p>
           <a:p>
             <a:pPr lvl="3"/>
@@ -1441,7 +1433,6 @@
               <a:rPr lang="en-US" smtClean="0"/>
               <a:t>Fourth level</a:t>
             </a:r>
-            <a:endParaRPr lang="en-US" smtClean="0"/>
           </a:p>
           <a:p>
             <a:pPr lvl="4"/>
@@ -1515,7 +1506,6 @@
               <a:rPr lang="en-US" smtClean="0"/>
               <a:t>Click to edit Master text styles</a:t>
             </a:r>
-            <a:endParaRPr lang="en-US" smtClean="0"/>
           </a:p>
         </p:txBody>
       </p:sp>
@@ -1544,7 +1534,6 @@
               <a:rPr lang="en-US" smtClean="0"/>
               <a:t>Click to edit Master text styles</a:t>
             </a:r>
-            <a:endParaRPr lang="en-US" smtClean="0"/>
           </a:p>
           <a:p>
             <a:pPr lvl="1"/>
@@ -1552,7 +1541,6 @@
               <a:rPr lang="en-US" smtClean="0"/>
               <a:t>Second level</a:t>
             </a:r>
-            <a:endParaRPr lang="en-US" smtClean="0"/>
           </a:p>
           <a:p>
             <a:pPr lvl="2"/>
@@ -1560,7 +1548,6 @@
               <a:rPr lang="en-US" smtClean="0"/>
               <a:t>Third level</a:t>
             </a:r>
-            <a:endParaRPr lang="en-US" smtClean="0"/>
           </a:p>
           <a:p>
             <a:pPr lvl="3"/>
@@ -1568,7 +1555,6 @@
               <a:rPr lang="en-US" smtClean="0"/>
               <a:t>Fourth level</a:t>
             </a:r>
-            <a:endParaRPr lang="en-US" smtClean="0"/>
           </a:p>
           <a:p>
             <a:pPr lvl="4"/>
@@ -1597,6 +1583,7 @@
           <a:p>
             <a:fld id="{63A1C593-65D0-4073-BCC9-577B9352EA97}" type="datetimeFigureOut">
               <a:rPr lang="en-US" smtClean="0"/>
+              <a:t>5/5/2022</a:t>
             </a:fld>
             <a:endParaRPr lang="en-US"/>
           </a:p>
@@ -1638,6 +1625,7 @@
           <a:p>
             <a:fld id="{9B618960-8005-486C-9A75-10CB2AAC16F9}" type="slidenum">
               <a:rPr lang="en-US" smtClean="0"/>
+              <a:t>‹#›</a:t>
             </a:fld>
             <a:endParaRPr lang="en-US"/>
           </a:p>
@@ -1708,6 +1696,7 @@
           <a:p>
             <a:fld id="{63A1C593-65D0-4073-BCC9-577B9352EA97}" type="datetimeFigureOut">
               <a:rPr lang="en-US" smtClean="0"/>
+              <a:t>5/5/2022</a:t>
             </a:fld>
             <a:endParaRPr lang="en-US"/>
           </a:p>
@@ -1749,6 +1738,7 @@
           <a:p>
             <a:fld id="{9B618960-8005-486C-9A75-10CB2AAC16F9}" type="slidenum">
               <a:rPr lang="en-US" smtClean="0"/>
+              <a:t>‹#›</a:t>
             </a:fld>
             <a:endParaRPr lang="en-US"/>
           </a:p>
@@ -1796,6 +1786,7 @@
           <a:p>
             <a:fld id="{63A1C593-65D0-4073-BCC9-577B9352EA97}" type="datetimeFigureOut">
               <a:rPr lang="en-US" smtClean="0"/>
+              <a:t>5/5/2022</a:t>
             </a:fld>
             <a:endParaRPr lang="en-US"/>
           </a:p>
@@ -1837,6 +1828,7 @@
           <a:p>
             <a:fld id="{9B618960-8005-486C-9A75-10CB2AAC16F9}" type="slidenum">
               <a:rPr lang="en-US" smtClean="0"/>
+              <a:t>‹#›</a:t>
             </a:fld>
             <a:endParaRPr lang="en-US"/>
           </a:p>
@@ -1952,7 +1944,6 @@
               <a:rPr lang="en-US" smtClean="0"/>
               <a:t>Click to edit Master text styles</a:t>
             </a:r>
-            <a:endParaRPr lang="en-US" smtClean="0"/>
           </a:p>
           <a:p>
             <a:pPr lvl="1"/>
@@ -1960,7 +1951,6 @@
               <a:rPr lang="en-US" smtClean="0"/>
               <a:t>Second level</a:t>
             </a:r>
-            <a:endParaRPr lang="en-US" smtClean="0"/>
           </a:p>
           <a:p>
             <a:pPr lvl="2"/>
@@ -1968,7 +1958,6 @@
               <a:rPr lang="en-US" smtClean="0"/>
               <a:t>Third level</a:t>
             </a:r>
-            <a:endParaRPr lang="en-US" smtClean="0"/>
           </a:p>
           <a:p>
             <a:pPr lvl="3"/>
@@ -1976,7 +1965,6 @@
               <a:rPr lang="en-US" smtClean="0"/>
               <a:t>Fourth level</a:t>
             </a:r>
-            <a:endParaRPr lang="en-US" smtClean="0"/>
           </a:p>
           <a:p>
             <a:pPr lvl="4"/>
@@ -2050,7 +2038,6 @@
               <a:rPr lang="en-US" smtClean="0"/>
               <a:t>Click to edit Master text styles</a:t>
             </a:r>
-            <a:endParaRPr lang="en-US" smtClean="0"/>
           </a:p>
         </p:txBody>
       </p:sp>
@@ -2071,6 +2058,7 @@
           <a:p>
             <a:fld id="{63A1C593-65D0-4073-BCC9-577B9352EA97}" type="datetimeFigureOut">
               <a:rPr lang="en-US" smtClean="0"/>
+              <a:t>5/5/2022</a:t>
             </a:fld>
             <a:endParaRPr lang="en-US"/>
           </a:p>
@@ -2112,6 +2100,7 @@
           <a:p>
             <a:fld id="{9B618960-8005-486C-9A75-10CB2AAC16F9}" type="slidenum">
               <a:rPr lang="en-US" smtClean="0"/>
+              <a:t>‹#›</a:t>
             </a:fld>
             <a:endParaRPr lang="en-US"/>
           </a:p>
@@ -2297,7 +2286,6 @@
               <a:rPr lang="en-US" smtClean="0"/>
               <a:t>Click to edit Master text styles</a:t>
             </a:r>
-            <a:endParaRPr lang="en-US" smtClean="0"/>
           </a:p>
         </p:txBody>
       </p:sp>
@@ -2318,6 +2306,7 @@
           <a:p>
             <a:fld id="{63A1C593-65D0-4073-BCC9-577B9352EA97}" type="datetimeFigureOut">
               <a:rPr lang="en-US" smtClean="0"/>
+              <a:t>5/5/2022</a:t>
             </a:fld>
             <a:endParaRPr lang="en-US"/>
           </a:p>
@@ -2359,6 +2348,7 @@
           <a:p>
             <a:fld id="{9B618960-8005-486C-9A75-10CB2AAC16F9}" type="slidenum">
               <a:rPr lang="en-US" smtClean="0"/>
+              <a:t>‹#›</a:t>
             </a:fld>
             <a:endParaRPr lang="en-US"/>
           </a:p>
@@ -2457,7 +2447,6 @@
               <a:rPr lang="en-US" smtClean="0"/>
               <a:t>Click to edit Master text styles</a:t>
             </a:r>
-            <a:endParaRPr lang="en-US" smtClean="0"/>
           </a:p>
           <a:p>
             <a:pPr lvl="1"/>
@@ -2465,7 +2454,6 @@
               <a:rPr lang="en-US" smtClean="0"/>
               <a:t>Second level</a:t>
             </a:r>
-            <a:endParaRPr lang="en-US" smtClean="0"/>
           </a:p>
           <a:p>
             <a:pPr lvl="2"/>
@@ -2473,7 +2461,6 @@
               <a:rPr lang="en-US" smtClean="0"/>
               <a:t>Third level</a:t>
             </a:r>
-            <a:endParaRPr lang="en-US" smtClean="0"/>
           </a:p>
           <a:p>
             <a:pPr lvl="3"/>
@@ -2481,7 +2468,6 @@
               <a:rPr lang="en-US" smtClean="0"/>
               <a:t>Fourth level</a:t>
             </a:r>
-            <a:endParaRPr lang="en-US" smtClean="0"/>
           </a:p>
           <a:p>
             <a:pPr lvl="4"/>
@@ -2528,6 +2514,7 @@
           <a:p>
             <a:fld id="{63A1C593-65D0-4073-BCC9-577B9352EA97}" type="datetimeFigureOut">
               <a:rPr lang="en-US" smtClean="0"/>
+              <a:t>5/5/2022</a:t>
             </a:fld>
             <a:endParaRPr lang="en-US"/>
           </a:p>
@@ -2605,6 +2592,7 @@
           <a:p>
             <a:fld id="{9B618960-8005-486C-9A75-10CB2AAC16F9}" type="slidenum">
               <a:rPr lang="en-US" smtClean="0"/>
+              <a:t>‹#›</a:t>
             </a:fld>
             <a:endParaRPr lang="en-US"/>
           </a:p>
@@ -2936,7 +2924,12 @@
             <p:ph type="ctrTitle"/>
           </p:nvPr>
         </p:nvSpPr>
-        <p:spPr/>
+        <p:spPr>
+          <a:xfrm>
+            <a:off x="1273834" y="440877"/>
+            <a:ext cx="9144000" cy="2387600"/>
+          </a:xfrm>
+        </p:spPr>
         <p:txBody>
           <a:bodyPr/>
           <a:lstStyle/>
@@ -2948,10 +2941,6 @@
               </a:rPr>
               <a:t>Бот-Репетитор для ОГЭ обществу</a:t>
             </a:r>
-            <a:endParaRPr lang="en-US" sz="3600" b="1" dirty="0">
-              <a:latin typeface="Times New Roman" panose="02020603050405020304" charset="0"/>
-              <a:cs typeface="Times New Roman" panose="02020603050405020304" charset="0"/>
-            </a:endParaRPr>
           </a:p>
         </p:txBody>
       </p:sp>
@@ -2982,10 +2971,6 @@
               </a:rPr>
               <a:t>Авторы: </a:t>
             </a:r>
-            <a:endParaRPr lang="ru-RU" altLang="en-US" sz="2000" b="1">
-              <a:latin typeface="Times New Roman" panose="02020603050405020304" charset="0"/>
-              <a:cs typeface="Times New Roman" panose="02020603050405020304" charset="0"/>
-            </a:endParaRPr>
           </a:p>
           <a:p>
             <a:r>
@@ -2995,10 +2980,6 @@
               </a:rPr>
               <a:t>Анастасия Хацкевич</a:t>
             </a:r>
-            <a:endParaRPr lang="ru-RU" altLang="en-US" sz="2000">
-              <a:latin typeface="Times New Roman" panose="02020603050405020304" charset="0"/>
-              <a:cs typeface="Times New Roman" panose="02020603050405020304" charset="0"/>
-            </a:endParaRPr>
           </a:p>
           <a:p>
             <a:r>
@@ -3008,13 +2989,80 @@
               </a:rPr>
               <a:t>Талебин Георгий</a:t>
             </a:r>
-            <a:endParaRPr lang="ru-RU" altLang="en-US" sz="2000">
-              <a:latin typeface="Times New Roman" panose="02020603050405020304" charset="0"/>
-              <a:cs typeface="Times New Roman" panose="02020603050405020304" charset="0"/>
-            </a:endParaRPr>
-          </a:p>
-        </p:txBody>
-      </p:sp>
+          </a:p>
+        </p:txBody>
+      </p:sp>
+      <p:pic>
+        <p:nvPicPr>
+          <p:cNvPr id="2052" name="Picture 4" descr="https://miro.medium.com/max/1024/1*wc5ydiqyr-hl_tZNReGeeA.png"/>
+          <p:cNvPicPr>
+            <a:picLocks noChangeAspect="1" noChangeArrowheads="1"/>
+          </p:cNvPicPr>
+          <p:nvPr/>
+        </p:nvPicPr>
+        <p:blipFill>
+          <a:blip r:embed="rId2" cstate="print">
+            <a:extLst>
+              <a:ext uri="{28A0092B-C50C-407E-A947-70E740481C1C}">
+                <a14:useLocalDpi xmlns:a14="http://schemas.microsoft.com/office/drawing/2010/main" val="0"/>
+              </a:ext>
+            </a:extLst>
+          </a:blip>
+          <a:srcRect/>
+          <a:stretch>
+            <a:fillRect/>
+          </a:stretch>
+        </p:blipFill>
+        <p:spPr bwMode="auto">
+          <a:xfrm>
+            <a:off x="9880420" y="2145133"/>
+            <a:ext cx="2311580" cy="2311580"/>
+          </a:xfrm>
+          <a:prstGeom prst="rect">
+            <a:avLst/>
+          </a:prstGeom>
+          <a:noFill/>
+          <a:extLst>
+            <a:ext uri="{909E8E84-426E-40DD-AFC4-6F175D3DCCD1}">
+              <a14:hiddenFill xmlns:a14="http://schemas.microsoft.com/office/drawing/2010/main">
+                <a:solidFill>
+                  <a:srgbClr val="FFFFFF"/>
+                </a:solidFill>
+              </a14:hiddenFill>
+            </a:ext>
+          </a:extLst>
+        </p:spPr>
+      </p:pic>
+      <p:pic>
+        <p:nvPicPr>
+          <p:cNvPr id="5" name="Рисунок 4"/>
+          <p:cNvPicPr>
+            <a:picLocks noChangeAspect="1"/>
+          </p:cNvPicPr>
+          <p:nvPr/>
+        </p:nvPicPr>
+        <p:blipFill>
+          <a:blip r:embed="rId3" cstate="print">
+            <a:extLst>
+              <a:ext uri="{28A0092B-C50C-407E-A947-70E740481C1C}">
+                <a14:useLocalDpi xmlns:a14="http://schemas.microsoft.com/office/drawing/2010/main" val="0"/>
+              </a:ext>
+            </a:extLst>
+          </a:blip>
+          <a:stretch>
+            <a:fillRect/>
+          </a:stretch>
+        </p:blipFill>
+        <p:spPr>
+          <a:xfrm>
+            <a:off x="905137" y="3062378"/>
+            <a:ext cx="5116934" cy="4045789"/>
+          </a:xfrm>
+          <a:prstGeom prst="rect">
+            <a:avLst/>
+          </a:prstGeom>
+        </p:spPr>
+      </p:pic>
     </p:spTree>
   </p:cSld>
   <p:clrMapOvr>
@@ -3032,7 +3080,14 @@
         <p:cNvGrpSpPr/>
         <p:nvPr/>
       </p:nvGrpSpPr>
-      <p:grpSpPr/>
+      <p:grpSpPr>
+        <a:xfrm>
+          <a:off x="0" y="0"/>
+          <a:ext cx="0" cy="0"/>
+          <a:chOff x="0" y="0"/>
+          <a:chExt cx="0" cy="0"/>
+        </a:xfrm>
+      </p:grpSpPr>
       <p:sp>
         <p:nvSpPr>
           <p:cNvPr id="2" name="Title 1"/>
@@ -3046,6 +3101,7 @@
         <p:spPr/>
         <p:txBody>
           <a:bodyPr/>
+          <a:lstStyle/>
           <a:p>
             <a:pPr algn="ctr"/>
             <a:r>
@@ -3055,81 +3111,629 @@
               </a:rPr>
               <a:t>Описание проекта</a:t>
             </a:r>
-            <a:endParaRPr lang="ru-RU" altLang="en-US" sz="3600" b="1">
+          </a:p>
+        </p:txBody>
+      </p:sp>
+      <p:sp>
+        <p:nvSpPr>
+          <p:cNvPr id="3" name="Content Placeholder 2"/>
+          <p:cNvSpPr>
+            <a:spLocks noGrp="1"/>
+          </p:cNvSpPr>
+          <p:nvPr>
+            <p:ph idx="1"/>
+          </p:nvPr>
+        </p:nvSpPr>
+        <p:spPr>
+          <a:xfrm>
+            <a:off x="838200" y="1825625"/>
+            <a:ext cx="5346940" cy="3410609"/>
+          </a:xfrm>
+        </p:spPr>
+        <p:txBody>
+          <a:bodyPr>
+            <a:normAutofit fontScale="92500" lnSpcReduction="20000"/>
+          </a:bodyPr>
+          <a:lstStyle/>
+          <a:p>
+            <a:pPr marL="0" indent="0">
+              <a:buNone/>
+            </a:pPr>
+            <a:r>
+              <a:rPr lang="ru-RU" altLang="en-US" sz="2000" dirty="0">
+                <a:latin typeface="Times New Roman" panose="02020603050405020304" charset="0"/>
+                <a:cs typeface="Times New Roman" panose="02020603050405020304" charset="0"/>
+              </a:rPr>
+              <a:t>Бот в телеграмме, созданный двумя разработчиками Хацкевич Анастасией и </a:t>
+            </a:r>
+            <a:r>
+              <a:rPr lang="ru-RU" altLang="en-US" sz="2000" dirty="0" err="1">
+                <a:latin typeface="Times New Roman" panose="02020603050405020304" charset="0"/>
+                <a:cs typeface="Times New Roman" panose="02020603050405020304" charset="0"/>
+                <a:sym typeface="+mn-ea"/>
+              </a:rPr>
+              <a:t>Талебиным</a:t>
+            </a:r>
+            <a:r>
+              <a:rPr lang="ru-RU" altLang="en-US" sz="2000" dirty="0">
+                <a:latin typeface="Times New Roman" panose="02020603050405020304" charset="0"/>
+                <a:cs typeface="Times New Roman" panose="02020603050405020304" charset="0"/>
+                <a:sym typeface="+mn-ea"/>
+              </a:rPr>
+              <a:t> Георгием, поможет восьмиклассникам и </a:t>
+            </a:r>
+            <a:r>
+              <a:rPr lang="ru-RU" altLang="en-US" sz="2000" dirty="0" err="1">
+                <a:latin typeface="Times New Roman" panose="02020603050405020304" charset="0"/>
+                <a:cs typeface="Times New Roman" panose="02020603050405020304" charset="0"/>
+                <a:sym typeface="+mn-ea"/>
+              </a:rPr>
+              <a:t>девятиклассныкам</a:t>
+            </a:r>
+            <a:r>
+              <a:rPr lang="ru-RU" altLang="en-US" sz="2000" dirty="0">
+                <a:latin typeface="Times New Roman" panose="02020603050405020304" charset="0"/>
+                <a:cs typeface="Times New Roman" panose="02020603050405020304" charset="0"/>
+                <a:sym typeface="+mn-ea"/>
+              </a:rPr>
+              <a:t> подготовиться к основному государственному экзамену(ОГЭ). Для этого пользователю нужно зайти в телеграмм и в поисковике ввести “@</a:t>
+            </a:r>
+            <a:r>
+              <a:rPr lang="ru-RU" altLang="en-US" sz="2000" dirty="0" err="1">
+                <a:latin typeface="Times New Roman" panose="02020603050405020304" charset="0"/>
+                <a:cs typeface="Times New Roman" panose="02020603050405020304" charset="0"/>
+                <a:sym typeface="+mn-ea"/>
+              </a:rPr>
+              <a:t>OGEteacher_bot</a:t>
+            </a:r>
+            <a:r>
+              <a:rPr lang="ru-RU" altLang="en-US" sz="2000" dirty="0">
+                <a:latin typeface="Times New Roman" panose="02020603050405020304" charset="0"/>
+                <a:cs typeface="Times New Roman" panose="02020603050405020304" charset="0"/>
+                <a:sym typeface="+mn-ea"/>
+              </a:rPr>
+              <a:t>”.  Далее пользователь в чате с </a:t>
+            </a:r>
+            <a:r>
+              <a:rPr lang="ru-RU" altLang="en-US" sz="2000" dirty="0" err="1">
+                <a:latin typeface="Times New Roman" panose="02020603050405020304" charset="0"/>
+                <a:cs typeface="Times New Roman" panose="02020603050405020304" charset="0"/>
+                <a:sym typeface="+mn-ea"/>
+              </a:rPr>
+              <a:t>ботомпрописывает</a:t>
+            </a:r>
+            <a:r>
+              <a:rPr lang="ru-RU" altLang="en-US" sz="2000" dirty="0">
+                <a:latin typeface="Times New Roman" panose="02020603050405020304" charset="0"/>
+                <a:cs typeface="Times New Roman" panose="02020603050405020304" charset="0"/>
+                <a:sym typeface="+mn-ea"/>
+              </a:rPr>
+              <a:t> “</a:t>
+            </a:r>
+            <a:r>
+              <a:rPr lang="en-US" sz="2000" dirty="0">
+                <a:latin typeface="Times New Roman" panose="02020603050405020304" charset="0"/>
+                <a:cs typeface="Times New Roman" panose="02020603050405020304" charset="0"/>
+              </a:rPr>
+              <a:t>/start</a:t>
+            </a:r>
+            <a:r>
+              <a:rPr lang="ru-RU" altLang="en-US" sz="2000" dirty="0">
+                <a:latin typeface="Times New Roman" panose="02020603050405020304" charset="0"/>
+                <a:cs typeface="Times New Roman" panose="02020603050405020304" charset="0"/>
+              </a:rPr>
+              <a:t>”, </a:t>
+            </a:r>
+            <a:r>
+              <a:rPr lang="en-US" sz="2000" dirty="0" err="1">
+                <a:latin typeface="Times New Roman" panose="02020603050405020304" charset="0"/>
+                <a:cs typeface="Times New Roman" panose="02020603050405020304" charset="0"/>
+              </a:rPr>
+              <a:t>после</a:t>
+            </a:r>
+            <a:r>
+              <a:rPr lang="en-US" sz="2000" dirty="0">
+                <a:latin typeface="Times New Roman" panose="02020603050405020304" charset="0"/>
+                <a:cs typeface="Times New Roman" panose="02020603050405020304" charset="0"/>
+              </a:rPr>
+              <a:t> </a:t>
+            </a:r>
+            <a:r>
+              <a:rPr lang="en-US" sz="2000" dirty="0" err="1">
+                <a:latin typeface="Times New Roman" panose="02020603050405020304" charset="0"/>
+                <a:cs typeface="Times New Roman" panose="02020603050405020304" charset="0"/>
+              </a:rPr>
+              <a:t>чего</a:t>
+            </a:r>
+            <a:r>
+              <a:rPr lang="en-US" sz="2000" dirty="0">
+                <a:latin typeface="Times New Roman" panose="02020603050405020304" charset="0"/>
+                <a:cs typeface="Times New Roman" panose="02020603050405020304" charset="0"/>
+              </a:rPr>
+              <a:t> </a:t>
+            </a:r>
+            <a:r>
+              <a:rPr lang="en-US" sz="2000" dirty="0" err="1">
+                <a:latin typeface="Times New Roman" panose="02020603050405020304" charset="0"/>
+                <a:cs typeface="Times New Roman" panose="02020603050405020304" charset="0"/>
+              </a:rPr>
+              <a:t>бот</a:t>
+            </a:r>
+            <a:r>
+              <a:rPr lang="en-US" sz="2000" dirty="0">
+                <a:latin typeface="Times New Roman" panose="02020603050405020304" charset="0"/>
+                <a:cs typeface="Times New Roman" panose="02020603050405020304" charset="0"/>
+              </a:rPr>
+              <a:t> </a:t>
+            </a:r>
+            <a:r>
+              <a:rPr lang="en-US" sz="2000" dirty="0" err="1">
+                <a:latin typeface="Times New Roman" panose="02020603050405020304" charset="0"/>
+                <a:cs typeface="Times New Roman" panose="02020603050405020304" charset="0"/>
+              </a:rPr>
+              <a:t>высылает</a:t>
+            </a:r>
+            <a:r>
+              <a:rPr lang="en-US" sz="2000" dirty="0">
+                <a:latin typeface="Times New Roman" panose="02020603050405020304" charset="0"/>
+                <a:cs typeface="Times New Roman" panose="02020603050405020304" charset="0"/>
+              </a:rPr>
+              <a:t> </a:t>
+            </a:r>
+            <a:r>
+              <a:rPr lang="en-US" sz="2000" dirty="0" err="1">
+                <a:latin typeface="Times New Roman" panose="02020603050405020304" charset="0"/>
+                <a:cs typeface="Times New Roman" panose="02020603050405020304" charset="0"/>
+              </a:rPr>
+              <a:t>правила</a:t>
+            </a:r>
+            <a:r>
+              <a:rPr lang="en-US" sz="2000" dirty="0">
+                <a:latin typeface="Times New Roman" panose="02020603050405020304" charset="0"/>
+                <a:cs typeface="Times New Roman" panose="02020603050405020304" charset="0"/>
+              </a:rPr>
+              <a:t> </a:t>
+            </a:r>
+            <a:r>
+              <a:rPr lang="en-US" sz="2000" dirty="0" err="1">
+                <a:latin typeface="Times New Roman" panose="02020603050405020304" charset="0"/>
+                <a:cs typeface="Times New Roman" panose="02020603050405020304" charset="0"/>
+              </a:rPr>
+              <a:t>теста</a:t>
+            </a:r>
+            <a:r>
+              <a:rPr lang="en-US" sz="2000" dirty="0">
+                <a:latin typeface="Times New Roman" panose="02020603050405020304" charset="0"/>
+                <a:cs typeface="Times New Roman" panose="02020603050405020304" charset="0"/>
+              </a:rPr>
+              <a:t>, и </a:t>
+            </a:r>
+            <a:r>
+              <a:rPr lang="en-US" sz="2000" dirty="0" err="1">
+                <a:latin typeface="Times New Roman" panose="02020603050405020304" charset="0"/>
+                <a:cs typeface="Times New Roman" panose="02020603050405020304" charset="0"/>
+              </a:rPr>
+              <a:t>просит</a:t>
+            </a:r>
+            <a:r>
+              <a:rPr lang="en-US" sz="2000" dirty="0">
+                <a:latin typeface="Times New Roman" panose="02020603050405020304" charset="0"/>
+                <a:cs typeface="Times New Roman" panose="02020603050405020304" charset="0"/>
+              </a:rPr>
+              <a:t> </a:t>
+            </a:r>
+            <a:r>
+              <a:rPr lang="en-US" sz="2000" dirty="0" err="1">
+                <a:latin typeface="Times New Roman" panose="02020603050405020304" charset="0"/>
+                <a:cs typeface="Times New Roman" panose="02020603050405020304" charset="0"/>
+              </a:rPr>
+              <a:t>написать</a:t>
+            </a:r>
+            <a:r>
+              <a:rPr lang="en-US" sz="2000" dirty="0">
+                <a:latin typeface="Times New Roman" panose="02020603050405020304" charset="0"/>
+                <a:cs typeface="Times New Roman" panose="02020603050405020304" charset="0"/>
+              </a:rPr>
+              <a:t> </a:t>
+            </a:r>
+            <a:r>
+              <a:rPr lang="en-US" sz="2000" dirty="0" err="1">
+                <a:latin typeface="Times New Roman" panose="02020603050405020304" charset="0"/>
+                <a:cs typeface="Times New Roman" panose="02020603050405020304" charset="0"/>
+              </a:rPr>
+              <a:t>год</a:t>
+            </a:r>
+            <a:r>
+              <a:rPr lang="en-US" sz="2000" dirty="0">
+                <a:latin typeface="Times New Roman" panose="02020603050405020304" charset="0"/>
+                <a:cs typeface="Times New Roman" panose="02020603050405020304" charset="0"/>
+              </a:rPr>
+              <a:t> </a:t>
+            </a:r>
+            <a:r>
+              <a:rPr lang="en-US" sz="2000" dirty="0" err="1">
+                <a:latin typeface="Times New Roman" panose="02020603050405020304" charset="0"/>
+                <a:cs typeface="Times New Roman" panose="02020603050405020304" charset="0"/>
+              </a:rPr>
+              <a:t>пробника</a:t>
+            </a:r>
+            <a:r>
+              <a:rPr lang="en-US" sz="2000" dirty="0">
+                <a:latin typeface="Times New Roman" panose="02020603050405020304" charset="0"/>
+                <a:cs typeface="Times New Roman" panose="02020603050405020304" charset="0"/>
+              </a:rPr>
+              <a:t> (</a:t>
+            </a:r>
+            <a:r>
+              <a:rPr lang="en-US" sz="2000" dirty="0" err="1">
+                <a:latin typeface="Times New Roman" panose="02020603050405020304" charset="0"/>
+                <a:cs typeface="Times New Roman" panose="02020603050405020304" charset="0"/>
+              </a:rPr>
+              <a:t>пока</a:t>
+            </a:r>
+            <a:r>
+              <a:rPr lang="en-US" sz="2000" dirty="0">
+                <a:latin typeface="Times New Roman" panose="02020603050405020304" charset="0"/>
+                <a:cs typeface="Times New Roman" panose="02020603050405020304" charset="0"/>
+              </a:rPr>
+              <a:t> </a:t>
+            </a:r>
+            <a:r>
+              <a:rPr lang="en-US" sz="2000" dirty="0" err="1">
+                <a:latin typeface="Times New Roman" panose="02020603050405020304" charset="0"/>
+                <a:cs typeface="Times New Roman" panose="02020603050405020304" charset="0"/>
+              </a:rPr>
+              <a:t>действует</a:t>
+            </a:r>
+            <a:r>
+              <a:rPr lang="en-US" sz="2000" dirty="0">
+                <a:latin typeface="Times New Roman" panose="02020603050405020304" charset="0"/>
+                <a:cs typeface="Times New Roman" panose="02020603050405020304" charset="0"/>
+              </a:rPr>
+              <a:t> </a:t>
+            </a:r>
+            <a:r>
+              <a:rPr lang="en-US" sz="2000" dirty="0" err="1">
+                <a:latin typeface="Times New Roman" panose="02020603050405020304" charset="0"/>
+                <a:cs typeface="Times New Roman" panose="02020603050405020304" charset="0"/>
+              </a:rPr>
+              <a:t>только</a:t>
+            </a:r>
+            <a:r>
+              <a:rPr lang="en-US" sz="2000" dirty="0">
+                <a:latin typeface="Times New Roman" panose="02020603050405020304" charset="0"/>
+                <a:cs typeface="Times New Roman" panose="02020603050405020304" charset="0"/>
+              </a:rPr>
+              <a:t> 1 </a:t>
+            </a:r>
+            <a:r>
+              <a:rPr lang="en-US" sz="2000" dirty="0" err="1">
+                <a:latin typeface="Times New Roman" panose="02020603050405020304" charset="0"/>
+                <a:cs typeface="Times New Roman" panose="02020603050405020304" charset="0"/>
+              </a:rPr>
+              <a:t>год</a:t>
+            </a:r>
+            <a:r>
+              <a:rPr lang="en-US" sz="2000" dirty="0">
+                <a:latin typeface="Times New Roman" panose="02020603050405020304" charset="0"/>
+                <a:cs typeface="Times New Roman" panose="02020603050405020304" charset="0"/>
+              </a:rPr>
+              <a:t>: 2022). </a:t>
+            </a:r>
+            <a:r>
+              <a:rPr lang="en-US" sz="2000" dirty="0" err="1">
+                <a:latin typeface="Times New Roman" panose="02020603050405020304" charset="0"/>
+                <a:cs typeface="Times New Roman" panose="02020603050405020304" charset="0"/>
+              </a:rPr>
+              <a:t>Далее</a:t>
+            </a:r>
+            <a:r>
+              <a:rPr lang="en-US" sz="2000" dirty="0">
+                <a:latin typeface="Times New Roman" panose="02020603050405020304" charset="0"/>
+                <a:cs typeface="Times New Roman" panose="02020603050405020304" charset="0"/>
+              </a:rPr>
+              <a:t> </a:t>
+            </a:r>
+            <a:r>
+              <a:rPr lang="en-US" sz="2000" dirty="0" err="1">
+                <a:latin typeface="Times New Roman" panose="02020603050405020304" charset="0"/>
+                <a:cs typeface="Times New Roman" panose="02020603050405020304" charset="0"/>
+              </a:rPr>
+              <a:t>бот</a:t>
+            </a:r>
+            <a:r>
+              <a:rPr lang="en-US" sz="2000" dirty="0">
+                <a:latin typeface="Times New Roman" panose="02020603050405020304" charset="0"/>
+                <a:cs typeface="Times New Roman" panose="02020603050405020304" charset="0"/>
+              </a:rPr>
+              <a:t> </a:t>
+            </a:r>
+            <a:r>
+              <a:rPr lang="en-US" sz="2000" dirty="0" err="1">
+                <a:latin typeface="Times New Roman" panose="02020603050405020304" charset="0"/>
+                <a:cs typeface="Times New Roman" panose="02020603050405020304" charset="0"/>
+              </a:rPr>
+              <a:t>начинает</a:t>
+            </a:r>
+            <a:r>
+              <a:rPr lang="en-US" sz="2000" dirty="0">
+                <a:latin typeface="Times New Roman" panose="02020603050405020304" charset="0"/>
+                <a:cs typeface="Times New Roman" panose="02020603050405020304" charset="0"/>
+              </a:rPr>
+              <a:t> </a:t>
+            </a:r>
+            <a:r>
+              <a:rPr lang="en-US" sz="2000" dirty="0" err="1">
+                <a:latin typeface="Times New Roman" panose="02020603050405020304" charset="0"/>
+                <a:cs typeface="Times New Roman" panose="02020603050405020304" charset="0"/>
+              </a:rPr>
+              <a:t>тестирование</a:t>
+            </a:r>
+            <a:r>
+              <a:rPr lang="en-US" sz="2000" dirty="0">
+                <a:latin typeface="Times New Roman" panose="02020603050405020304" charset="0"/>
+                <a:cs typeface="Times New Roman" panose="02020603050405020304" charset="0"/>
+              </a:rPr>
+              <a:t> и </a:t>
+            </a:r>
+            <a:r>
+              <a:rPr lang="en-US" sz="2000" dirty="0" err="1">
+                <a:latin typeface="Times New Roman" panose="02020603050405020304" charset="0"/>
+                <a:cs typeface="Times New Roman" panose="02020603050405020304" charset="0"/>
+              </a:rPr>
+              <a:t>считает</a:t>
+            </a:r>
+            <a:r>
+              <a:rPr lang="en-US" sz="2000" dirty="0">
+                <a:latin typeface="Times New Roman" panose="02020603050405020304" charset="0"/>
+                <a:cs typeface="Times New Roman" panose="02020603050405020304" charset="0"/>
+              </a:rPr>
+              <a:t> </a:t>
+            </a:r>
+            <a:r>
+              <a:rPr lang="en-US" sz="2000" dirty="0" err="1">
+                <a:latin typeface="Times New Roman" panose="02020603050405020304" charset="0"/>
+                <a:cs typeface="Times New Roman" panose="02020603050405020304" charset="0"/>
+              </a:rPr>
+              <a:t>правильные</a:t>
+            </a:r>
+            <a:r>
+              <a:rPr lang="en-US" sz="2000" dirty="0">
+                <a:latin typeface="Times New Roman" panose="02020603050405020304" charset="0"/>
+                <a:cs typeface="Times New Roman" panose="02020603050405020304" charset="0"/>
+              </a:rPr>
+              <a:t> </a:t>
+            </a:r>
+            <a:r>
+              <a:rPr lang="en-US" sz="2000" dirty="0" err="1">
+                <a:latin typeface="Times New Roman" panose="02020603050405020304" charset="0"/>
+                <a:cs typeface="Times New Roman" panose="02020603050405020304" charset="0"/>
+              </a:rPr>
+              <a:t>ответы</a:t>
+            </a:r>
+            <a:r>
+              <a:rPr lang="en-US" sz="2000" dirty="0">
+                <a:latin typeface="Times New Roman" panose="02020603050405020304" charset="0"/>
+                <a:cs typeface="Times New Roman" panose="02020603050405020304" charset="0"/>
+              </a:rPr>
+              <a:t>, </a:t>
+            </a:r>
+            <a:r>
+              <a:rPr lang="en-US" sz="2000" dirty="0" err="1">
+                <a:latin typeface="Times New Roman" panose="02020603050405020304" charset="0"/>
+                <a:cs typeface="Times New Roman" panose="02020603050405020304" charset="0"/>
+              </a:rPr>
+              <a:t>данные</a:t>
+            </a:r>
+            <a:r>
+              <a:rPr lang="en-US" sz="2000" dirty="0">
+                <a:latin typeface="Times New Roman" panose="02020603050405020304" charset="0"/>
+                <a:cs typeface="Times New Roman" panose="02020603050405020304" charset="0"/>
+              </a:rPr>
+              <a:t> с </a:t>
+            </a:r>
+            <a:r>
+              <a:rPr lang="en-US" sz="2000" dirty="0" err="1">
+                <a:latin typeface="Times New Roman" panose="02020603050405020304" charset="0"/>
+                <a:cs typeface="Times New Roman" panose="02020603050405020304" charset="0"/>
+              </a:rPr>
+              <a:t>первого</a:t>
+            </a:r>
+            <a:r>
+              <a:rPr lang="en-US" sz="2000" dirty="0">
+                <a:latin typeface="Times New Roman" panose="02020603050405020304" charset="0"/>
+                <a:cs typeface="Times New Roman" panose="02020603050405020304" charset="0"/>
+              </a:rPr>
+              <a:t> </a:t>
+            </a:r>
+            <a:r>
+              <a:rPr lang="en-US" sz="2000" dirty="0" err="1">
+                <a:latin typeface="Times New Roman" panose="02020603050405020304" charset="0"/>
+                <a:cs typeface="Times New Roman" panose="02020603050405020304" charset="0"/>
+              </a:rPr>
+              <a:t>раза</a:t>
+            </a:r>
+            <a:r>
+              <a:rPr lang="en-US" sz="2000" dirty="0">
+                <a:latin typeface="Times New Roman" panose="02020603050405020304" charset="0"/>
+                <a:cs typeface="Times New Roman" panose="02020603050405020304" charset="0"/>
+              </a:rPr>
+              <a:t>, </a:t>
+            </a:r>
+            <a:r>
+              <a:rPr lang="en-US" sz="2000" dirty="0" err="1">
+                <a:latin typeface="Times New Roman" panose="02020603050405020304" charset="0"/>
+                <a:cs typeface="Times New Roman" panose="02020603050405020304" charset="0"/>
+              </a:rPr>
+              <a:t>баллы</a:t>
+            </a:r>
+            <a:r>
+              <a:rPr lang="en-US" sz="2000" dirty="0">
+                <a:latin typeface="Times New Roman" panose="02020603050405020304" charset="0"/>
+                <a:cs typeface="Times New Roman" panose="02020603050405020304" charset="0"/>
+              </a:rPr>
+              <a:t> </a:t>
+            </a:r>
+            <a:r>
+              <a:rPr lang="en-US" sz="2000" dirty="0" err="1">
+                <a:latin typeface="Times New Roman" panose="02020603050405020304" charset="0"/>
+                <a:cs typeface="Times New Roman" panose="02020603050405020304" charset="0"/>
+              </a:rPr>
+              <a:t>не</a:t>
+            </a:r>
+            <a:r>
+              <a:rPr lang="en-US" sz="2000" dirty="0">
+                <a:latin typeface="Times New Roman" panose="02020603050405020304" charset="0"/>
+                <a:cs typeface="Times New Roman" panose="02020603050405020304" charset="0"/>
+              </a:rPr>
+              <a:t> </a:t>
+            </a:r>
+            <a:r>
+              <a:rPr lang="en-US" sz="2000" dirty="0" err="1">
+                <a:latin typeface="Times New Roman" panose="02020603050405020304" charset="0"/>
+                <a:cs typeface="Times New Roman" panose="02020603050405020304" charset="0"/>
+              </a:rPr>
+              <a:t>засчитываются</a:t>
+            </a:r>
+            <a:r>
+              <a:rPr lang="en-US" sz="2000" dirty="0">
+                <a:latin typeface="Times New Roman" panose="02020603050405020304" charset="0"/>
+                <a:cs typeface="Times New Roman" panose="02020603050405020304" charset="0"/>
+              </a:rPr>
+              <a:t> </a:t>
+            </a:r>
+            <a:r>
+              <a:rPr lang="en-US" sz="2000" dirty="0" err="1">
+                <a:latin typeface="Times New Roman" panose="02020603050405020304" charset="0"/>
+                <a:cs typeface="Times New Roman" panose="02020603050405020304" charset="0"/>
+              </a:rPr>
+              <a:t>после</a:t>
+            </a:r>
+            <a:r>
+              <a:rPr lang="en-US" sz="2000" dirty="0">
+                <a:latin typeface="Times New Roman" panose="02020603050405020304" charset="0"/>
+                <a:cs typeface="Times New Roman" panose="02020603050405020304" charset="0"/>
+              </a:rPr>
+              <a:t> 2-ой </a:t>
+            </a:r>
+            <a:r>
+              <a:rPr lang="en-US" sz="2000" dirty="0" err="1">
+                <a:latin typeface="Times New Roman" panose="02020603050405020304" charset="0"/>
+                <a:cs typeface="Times New Roman" panose="02020603050405020304" charset="0"/>
+              </a:rPr>
+              <a:t>попытки</a:t>
+            </a:r>
+            <a:r>
+              <a:rPr lang="en-US" sz="2000" dirty="0">
+                <a:latin typeface="Times New Roman" panose="02020603050405020304" charset="0"/>
+                <a:cs typeface="Times New Roman" panose="02020603050405020304" charset="0"/>
+              </a:rPr>
+              <a:t>. В </a:t>
+            </a:r>
+            <a:r>
+              <a:rPr lang="en-US" sz="2000" dirty="0" err="1">
+                <a:latin typeface="Times New Roman" panose="02020603050405020304" charset="0"/>
+                <a:cs typeface="Times New Roman" panose="02020603050405020304" charset="0"/>
+              </a:rPr>
+              <a:t>конце</a:t>
+            </a:r>
+            <a:r>
+              <a:rPr lang="en-US" sz="2000" dirty="0">
+                <a:latin typeface="Times New Roman" panose="02020603050405020304" charset="0"/>
+                <a:cs typeface="Times New Roman" panose="02020603050405020304" charset="0"/>
+              </a:rPr>
+              <a:t> </a:t>
+            </a:r>
+            <a:r>
+              <a:rPr lang="en-US" sz="2000" dirty="0" err="1">
+                <a:latin typeface="Times New Roman" panose="02020603050405020304" charset="0"/>
+                <a:cs typeface="Times New Roman" panose="02020603050405020304" charset="0"/>
+              </a:rPr>
+              <a:t>бот</a:t>
+            </a:r>
+            <a:r>
+              <a:rPr lang="en-US" sz="2000" dirty="0">
+                <a:latin typeface="Times New Roman" panose="02020603050405020304" charset="0"/>
+                <a:cs typeface="Times New Roman" panose="02020603050405020304" charset="0"/>
+              </a:rPr>
+              <a:t> </a:t>
+            </a:r>
+            <a:r>
+              <a:rPr lang="en-US" sz="2000" dirty="0" err="1">
+                <a:latin typeface="Times New Roman" panose="02020603050405020304" charset="0"/>
+                <a:cs typeface="Times New Roman" panose="02020603050405020304" charset="0"/>
+              </a:rPr>
+              <a:t>выдаёт</a:t>
+            </a:r>
+            <a:r>
+              <a:rPr lang="en-US" sz="2000" dirty="0">
+                <a:latin typeface="Times New Roman" panose="02020603050405020304" charset="0"/>
+                <a:cs typeface="Times New Roman" panose="02020603050405020304" charset="0"/>
+              </a:rPr>
+              <a:t> </a:t>
+            </a:r>
+            <a:r>
+              <a:rPr lang="en-US" sz="2000" dirty="0" err="1">
+                <a:latin typeface="Times New Roman" panose="02020603050405020304" charset="0"/>
+                <a:cs typeface="Times New Roman" panose="02020603050405020304" charset="0"/>
+              </a:rPr>
+              <a:t>нужную</a:t>
+            </a:r>
+            <a:r>
+              <a:rPr lang="en-US" sz="2000" dirty="0">
+                <a:latin typeface="Times New Roman" panose="02020603050405020304" charset="0"/>
+                <a:cs typeface="Times New Roman" panose="02020603050405020304" charset="0"/>
+              </a:rPr>
+              <a:t> </a:t>
+            </a:r>
+            <a:r>
+              <a:rPr lang="en-US" sz="2000" dirty="0" err="1">
+                <a:latin typeface="Times New Roman" panose="02020603050405020304" charset="0"/>
+                <a:cs typeface="Times New Roman" panose="02020603050405020304" charset="0"/>
+              </a:rPr>
+              <a:t>концовку</a:t>
+            </a:r>
+            <a:endParaRPr lang="en-US" sz="2000" dirty="0">
               <a:latin typeface="Times New Roman" panose="02020603050405020304" charset="0"/>
               <a:cs typeface="Times New Roman" panose="02020603050405020304" charset="0"/>
             </a:endParaRPr>
           </a:p>
-        </p:txBody>
-      </p:sp>
-      <p:sp>
-        <p:nvSpPr>
-          <p:cNvPr id="3" name="Content Placeholder 2"/>
-          <p:cNvSpPr>
-            <a:spLocks noGrp="1"/>
-          </p:cNvSpPr>
-          <p:nvPr>
-            <p:ph idx="1"/>
-          </p:nvPr>
-        </p:nvSpPr>
-        <p:spPr/>
-        <p:txBody>
-          <a:bodyPr>
-            <a:normAutofit/>
-          </a:bodyPr>
-          <a:p>
-            <a:pPr marL="0" indent="0">
-              <a:buNone/>
-            </a:pPr>
-            <a:r>
-              <a:rPr lang="ru-RU" altLang="en-US" sz="2000">
-                <a:latin typeface="Times New Roman" panose="02020603050405020304" charset="0"/>
-                <a:cs typeface="Times New Roman" panose="02020603050405020304" charset="0"/>
-              </a:rPr>
-              <a:t>Бот в телеграмме, созданный двумя разработчиками Хацкевич Анастасией и </a:t>
-            </a:r>
-            <a:r>
-              <a:rPr lang="ru-RU" altLang="en-US" sz="2000">
-                <a:latin typeface="Times New Roman" panose="02020603050405020304" charset="0"/>
-                <a:cs typeface="Times New Roman" panose="02020603050405020304" charset="0"/>
-                <a:sym typeface="+mn-ea"/>
-              </a:rPr>
-              <a:t>Талебиным Георгием, поможет восьмиклассникам и девятиклассныкам подготовиться к основному государственному экзамену(ОГЭ). Для этого пользователю нужно зайти в телеграмм и в поисковике ввести “@OGEteacher_bot”.  Далее пользователь в чате с ботомпрописывает “</a:t>
-            </a:r>
-            <a:r>
-              <a:rPr lang="en-US" sz="2000">
-                <a:latin typeface="Times New Roman" panose="02020603050405020304" charset="0"/>
-                <a:cs typeface="Times New Roman" panose="02020603050405020304" charset="0"/>
-              </a:rPr>
-              <a:t>/start</a:t>
-            </a:r>
-            <a:r>
-              <a:rPr lang="ru-RU" altLang="en-US" sz="2000">
-                <a:latin typeface="Times New Roman" panose="02020603050405020304" charset="0"/>
-                <a:cs typeface="Times New Roman" panose="02020603050405020304" charset="0"/>
-              </a:rPr>
-              <a:t>”, </a:t>
-            </a:r>
-            <a:r>
-              <a:rPr lang="en-US" sz="2000">
-                <a:latin typeface="Times New Roman" panose="02020603050405020304" charset="0"/>
-                <a:cs typeface="Times New Roman" panose="02020603050405020304" charset="0"/>
-              </a:rPr>
-              <a:t>после чего бот высылает правила теста, и просит написать год пробника (пока действует только 1 год: 2022). Далее бот начинает тестирование и считает правильные ответы, данные с первого раза, баллы не засчитываются после 2-ой попытки. В конце бот выдаёт нужную концовку</a:t>
-            </a:r>
-            <a:endParaRPr lang="en-US" sz="2000">
+          <a:p>
+            <a:endParaRPr lang="en-US" sz="2000" dirty="0">
               <a:latin typeface="Times New Roman" panose="02020603050405020304" charset="0"/>
               <a:cs typeface="Times New Roman" panose="02020603050405020304" charset="0"/>
             </a:endParaRPr>
           </a:p>
-          <a:p>
-            <a:endParaRPr lang="en-US" sz="2000">
-              <a:latin typeface="Times New Roman" panose="02020603050405020304" charset="0"/>
-              <a:cs typeface="Times New Roman" panose="02020603050405020304" charset="0"/>
-            </a:endParaRPr>
-          </a:p>
-        </p:txBody>
-      </p:sp>
+        </p:txBody>
+      </p:sp>
+      <p:pic>
+        <p:nvPicPr>
+          <p:cNvPr id="4" name="Content Placeholder 1073742850" descr="Скриншот 02-05-2022 201830"/>
+          <p:cNvPicPr>
+            <a:picLocks noChangeAspect="1"/>
+          </p:cNvPicPr>
+          <p:nvPr/>
+        </p:nvPicPr>
+        <p:blipFill>
+          <a:blip r:embed="rId2"/>
+          <a:stretch>
+            <a:fillRect/>
+          </a:stretch>
+        </p:blipFill>
+        <p:spPr>
+          <a:xfrm>
+            <a:off x="7545130" y="1239029"/>
+            <a:ext cx="3489960" cy="4838700"/>
+          </a:xfrm>
+          <a:prstGeom prst="rect">
+            <a:avLst/>
+          </a:prstGeom>
+          <a:noFill/>
+          <a:ln w="9525">
+            <a:noFill/>
+          </a:ln>
+        </p:spPr>
+      </p:pic>
     </p:spTree>
   </p:cSld>
   <p:clrMapOvr>
@@ -3147,7 +3751,14 @@
         <p:cNvGrpSpPr/>
         <p:nvPr/>
       </p:nvGrpSpPr>
-      <p:grpSpPr/>
+      <p:grpSpPr>
+        <a:xfrm>
+          <a:off x="0" y="0"/>
+          <a:ext cx="0" cy="0"/>
+          <a:chOff x="0" y="0"/>
+          <a:chExt cx="0" cy="0"/>
+        </a:xfrm>
+      </p:grpSpPr>
       <p:sp>
         <p:nvSpPr>
           <p:cNvPr id="2" name="Title 1"/>
@@ -3161,6 +3772,7 @@
         <p:spPr/>
         <p:txBody>
           <a:bodyPr/>
+          <a:lstStyle/>
           <a:p>
             <a:pPr algn="ctr"/>
             <a:r>
@@ -3170,47 +3782,1117 @@
               </a:rPr>
               <a:t>Реализация</a:t>
             </a:r>
-            <a:endParaRPr lang="ru-RU" altLang="en-US" sz="3600" b="1">
+          </a:p>
+        </p:txBody>
+      </p:sp>
+      <p:sp>
+        <p:nvSpPr>
+          <p:cNvPr id="3" name="Content Placeholder 2"/>
+          <p:cNvSpPr>
+            <a:spLocks noGrp="1"/>
+          </p:cNvSpPr>
+          <p:nvPr>
+            <p:ph idx="1"/>
+          </p:nvPr>
+        </p:nvSpPr>
+        <p:spPr>
+          <a:xfrm>
+            <a:off x="4261449" y="1480569"/>
+            <a:ext cx="7782464" cy="3419235"/>
+          </a:xfrm>
+        </p:spPr>
+        <p:txBody>
+          <a:bodyPr>
+            <a:normAutofit/>
+          </a:bodyPr>
+          <a:lstStyle/>
+          <a:p>
+            <a:pPr marL="0" indent="0">
+              <a:buNone/>
+            </a:pPr>
+            <a:r>
+              <a:rPr lang="en-US" sz="2000" dirty="0">
+                <a:latin typeface="Times New Roman" panose="02020603050405020304" charset="0"/>
+                <a:cs typeface="Times New Roman" panose="02020603050405020304" charset="0"/>
+                <a:sym typeface="+mn-ea"/>
+              </a:rPr>
+              <a:t>В </a:t>
+            </a:r>
+            <a:r>
+              <a:rPr lang="en-US" sz="2000" dirty="0" err="1">
+                <a:latin typeface="Times New Roman" panose="02020603050405020304" charset="0"/>
+                <a:cs typeface="Times New Roman" panose="02020603050405020304" charset="0"/>
+                <a:sym typeface="+mn-ea"/>
+              </a:rPr>
+              <a:t>коде</a:t>
+            </a:r>
+            <a:r>
+              <a:rPr lang="en-US" sz="2000" dirty="0">
+                <a:latin typeface="Times New Roman" panose="02020603050405020304" charset="0"/>
+                <a:cs typeface="Times New Roman" panose="02020603050405020304" charset="0"/>
+                <a:sym typeface="+mn-ea"/>
+              </a:rPr>
+              <a:t> </a:t>
+            </a:r>
+            <a:r>
+              <a:rPr lang="en-US" sz="2000" dirty="0" err="1">
+                <a:latin typeface="Times New Roman" panose="02020603050405020304" charset="0"/>
+                <a:cs typeface="Times New Roman" panose="02020603050405020304" charset="0"/>
+                <a:sym typeface="+mn-ea"/>
+              </a:rPr>
+              <a:t>нашего</a:t>
+            </a:r>
+            <a:r>
+              <a:rPr lang="en-US" sz="2000" dirty="0">
+                <a:latin typeface="Times New Roman" panose="02020603050405020304" charset="0"/>
+                <a:cs typeface="Times New Roman" panose="02020603050405020304" charset="0"/>
+                <a:sym typeface="+mn-ea"/>
+              </a:rPr>
+              <a:t> </a:t>
+            </a:r>
+            <a:r>
+              <a:rPr lang="en-US" sz="2000" dirty="0" err="1">
+                <a:latin typeface="Times New Roman" panose="02020603050405020304" charset="0"/>
+                <a:cs typeface="Times New Roman" panose="02020603050405020304" charset="0"/>
+                <a:sym typeface="+mn-ea"/>
+              </a:rPr>
+              <a:t>бота</a:t>
+            </a:r>
+            <a:r>
+              <a:rPr lang="en-US" sz="2000" dirty="0">
+                <a:latin typeface="Times New Roman" panose="02020603050405020304" charset="0"/>
+                <a:cs typeface="Times New Roman" panose="02020603050405020304" charset="0"/>
+                <a:sym typeface="+mn-ea"/>
+              </a:rPr>
+              <a:t> </a:t>
+            </a:r>
+            <a:r>
+              <a:rPr lang="en-US" sz="2000" dirty="0" err="1">
+                <a:latin typeface="Times New Roman" panose="02020603050405020304" charset="0"/>
+                <a:cs typeface="Times New Roman" panose="02020603050405020304" charset="0"/>
+                <a:sym typeface="+mn-ea"/>
+              </a:rPr>
+              <a:t>есть</a:t>
+            </a:r>
+            <a:r>
+              <a:rPr lang="en-US" sz="2000" dirty="0">
+                <a:latin typeface="Times New Roman" panose="02020603050405020304" charset="0"/>
+                <a:cs typeface="Times New Roman" panose="02020603050405020304" charset="0"/>
+                <a:sym typeface="+mn-ea"/>
+              </a:rPr>
+              <a:t> 3 </a:t>
+            </a:r>
+            <a:r>
+              <a:rPr lang="en-US" sz="2000" dirty="0" err="1">
+                <a:latin typeface="Times New Roman" panose="02020603050405020304" charset="0"/>
+                <a:cs typeface="Times New Roman" panose="02020603050405020304" charset="0"/>
+                <a:sym typeface="+mn-ea"/>
+              </a:rPr>
+              <a:t>класса</a:t>
+            </a:r>
+            <a:r>
+              <a:rPr lang="en-US" sz="2000" dirty="0">
+                <a:latin typeface="Times New Roman" panose="02020603050405020304" charset="0"/>
+                <a:cs typeface="Times New Roman" panose="02020603050405020304" charset="0"/>
+                <a:sym typeface="+mn-ea"/>
+              </a:rPr>
+              <a:t> (Question, Bot, Ending), а </a:t>
+            </a:r>
+            <a:r>
+              <a:rPr lang="en-US" sz="2000" dirty="0" err="1" smtClean="0">
+                <a:latin typeface="Times New Roman" panose="02020603050405020304" charset="0"/>
+                <a:cs typeface="Times New Roman" panose="02020603050405020304" charset="0"/>
+                <a:sym typeface="+mn-ea"/>
+              </a:rPr>
+              <a:t>также</a:t>
+            </a:r>
+            <a:r>
+              <a:rPr lang="en-US" sz="2000" dirty="0" smtClean="0">
+                <a:latin typeface="Times New Roman" panose="02020603050405020304" charset="0"/>
+                <a:cs typeface="Times New Roman" panose="02020603050405020304" charset="0"/>
+                <a:sym typeface="+mn-ea"/>
+              </a:rPr>
+              <a:t> </a:t>
+            </a:r>
+            <a:r>
+              <a:rPr lang="en-US" sz="2000" dirty="0" err="1">
+                <a:latin typeface="Times New Roman" panose="02020603050405020304" charset="0"/>
+                <a:cs typeface="Times New Roman" panose="02020603050405020304" charset="0"/>
+                <a:sym typeface="+mn-ea"/>
+              </a:rPr>
+              <a:t>функция</a:t>
+            </a:r>
+            <a:r>
+              <a:rPr lang="en-US" sz="2000" dirty="0">
+                <a:latin typeface="Times New Roman" panose="02020603050405020304" charset="0"/>
+                <a:cs typeface="Times New Roman" panose="02020603050405020304" charset="0"/>
+                <a:sym typeface="+mn-ea"/>
+              </a:rPr>
+              <a:t> </a:t>
+            </a:r>
+            <a:r>
+              <a:rPr lang="en-US" sz="2000" dirty="0" err="1">
+                <a:latin typeface="Times New Roman" panose="02020603050405020304" charset="0"/>
+                <a:cs typeface="Times New Roman" panose="02020603050405020304" charset="0"/>
+                <a:sym typeface="+mn-ea"/>
+              </a:rPr>
+              <a:t>связист</a:t>
+            </a:r>
+            <a:r>
+              <a:rPr lang="en-US" sz="2000" dirty="0">
+                <a:latin typeface="Times New Roman" panose="02020603050405020304" charset="0"/>
+                <a:cs typeface="Times New Roman" panose="02020603050405020304" charset="0"/>
+                <a:sym typeface="+mn-ea"/>
+              </a:rPr>
+              <a:t>: main. </a:t>
+            </a:r>
+            <a:r>
+              <a:rPr lang="en-US" sz="2000" dirty="0" err="1">
+                <a:latin typeface="Times New Roman" panose="02020603050405020304" charset="0"/>
+                <a:cs typeface="Times New Roman" panose="02020603050405020304" charset="0"/>
+                <a:sym typeface="+mn-ea"/>
+              </a:rPr>
+              <a:t>Функция</a:t>
+            </a:r>
+            <a:r>
+              <a:rPr lang="en-US" sz="2000" dirty="0">
+                <a:latin typeface="Times New Roman" panose="02020603050405020304" charset="0"/>
+                <a:cs typeface="Times New Roman" panose="02020603050405020304" charset="0"/>
+                <a:sym typeface="+mn-ea"/>
+              </a:rPr>
+              <a:t> start </a:t>
+            </a:r>
+            <a:r>
+              <a:rPr lang="en-US" sz="2000" dirty="0" err="1">
+                <a:latin typeface="Times New Roman" panose="02020603050405020304" charset="0"/>
+                <a:cs typeface="Times New Roman" panose="02020603050405020304" charset="0"/>
+                <a:sym typeface="+mn-ea"/>
+              </a:rPr>
+              <a:t>отвечает</a:t>
+            </a:r>
+            <a:r>
+              <a:rPr lang="en-US" sz="2000" dirty="0">
+                <a:latin typeface="Times New Roman" panose="02020603050405020304" charset="0"/>
+                <a:cs typeface="Times New Roman" panose="02020603050405020304" charset="0"/>
+                <a:sym typeface="+mn-ea"/>
+              </a:rPr>
+              <a:t> </a:t>
+            </a:r>
+            <a:r>
+              <a:rPr lang="en-US" sz="2000" dirty="0" err="1">
+                <a:latin typeface="Times New Roman" panose="02020603050405020304" charset="0"/>
+                <a:cs typeface="Times New Roman" panose="02020603050405020304" charset="0"/>
+                <a:sym typeface="+mn-ea"/>
+              </a:rPr>
+              <a:t>за</a:t>
+            </a:r>
+            <a:r>
+              <a:rPr lang="en-US" sz="2000" dirty="0">
+                <a:latin typeface="Times New Roman" panose="02020603050405020304" charset="0"/>
+                <a:cs typeface="Times New Roman" panose="02020603050405020304" charset="0"/>
+                <a:sym typeface="+mn-ea"/>
+              </a:rPr>
+              <a:t> </a:t>
+            </a:r>
+            <a:r>
+              <a:rPr lang="en-US" sz="2000" dirty="0" err="1">
+                <a:latin typeface="Times New Roman" panose="02020603050405020304" charset="0"/>
+                <a:cs typeface="Times New Roman" panose="02020603050405020304" charset="0"/>
+                <a:sym typeface="+mn-ea"/>
+              </a:rPr>
+              <a:t>начальные</a:t>
+            </a:r>
+            <a:r>
+              <a:rPr lang="en-US" sz="2000" dirty="0">
+                <a:latin typeface="Times New Roman" panose="02020603050405020304" charset="0"/>
+                <a:cs typeface="Times New Roman" panose="02020603050405020304" charset="0"/>
+                <a:sym typeface="+mn-ea"/>
+              </a:rPr>
+              <a:t> </a:t>
+            </a:r>
+            <a:r>
+              <a:rPr lang="en-US" sz="2000" dirty="0" err="1">
+                <a:latin typeface="Times New Roman" panose="02020603050405020304" charset="0"/>
+                <a:cs typeface="Times New Roman" panose="02020603050405020304" charset="0"/>
+                <a:sym typeface="+mn-ea"/>
+              </a:rPr>
+              <a:t>действия</a:t>
+            </a:r>
+            <a:r>
+              <a:rPr lang="en-US" sz="2000" dirty="0">
+                <a:latin typeface="Times New Roman" panose="02020603050405020304" charset="0"/>
+                <a:cs typeface="Times New Roman" panose="02020603050405020304" charset="0"/>
+                <a:sym typeface="+mn-ea"/>
+              </a:rPr>
+              <a:t> в </a:t>
+            </a:r>
+            <a:r>
+              <a:rPr lang="en-US" sz="2000" dirty="0" err="1">
+                <a:latin typeface="Times New Roman" panose="02020603050405020304" charset="0"/>
+                <a:cs typeface="Times New Roman" panose="02020603050405020304" charset="0"/>
+                <a:sym typeface="+mn-ea"/>
+              </a:rPr>
+              <a:t>боте</a:t>
+            </a:r>
+            <a:r>
+              <a:rPr lang="en-US" sz="2000" dirty="0">
+                <a:latin typeface="Times New Roman" panose="02020603050405020304" charset="0"/>
+                <a:cs typeface="Times New Roman" panose="02020603050405020304" charset="0"/>
+                <a:sym typeface="+mn-ea"/>
+              </a:rPr>
+              <a:t>: </a:t>
+            </a:r>
+            <a:r>
+              <a:rPr lang="en-US" sz="2000" dirty="0" err="1">
+                <a:latin typeface="Times New Roman" panose="02020603050405020304" charset="0"/>
+                <a:cs typeface="Times New Roman" panose="02020603050405020304" charset="0"/>
+                <a:sym typeface="+mn-ea"/>
+              </a:rPr>
+              <a:t>приветствие</a:t>
+            </a:r>
+            <a:r>
+              <a:rPr lang="en-US" sz="2000" dirty="0">
+                <a:latin typeface="Times New Roman" panose="02020603050405020304" charset="0"/>
+                <a:cs typeface="Times New Roman" panose="02020603050405020304" charset="0"/>
+                <a:sym typeface="+mn-ea"/>
+              </a:rPr>
+              <a:t>, и </a:t>
+            </a:r>
+            <a:r>
+              <a:rPr lang="en-US" sz="2000" dirty="0" err="1">
+                <a:latin typeface="Times New Roman" panose="02020603050405020304" charset="0"/>
+                <a:cs typeface="Times New Roman" panose="02020603050405020304" charset="0"/>
+                <a:sym typeface="+mn-ea"/>
+              </a:rPr>
+              <a:t>введение</a:t>
+            </a:r>
+            <a:r>
+              <a:rPr lang="en-US" sz="2000" dirty="0">
+                <a:latin typeface="Times New Roman" panose="02020603050405020304" charset="0"/>
+                <a:cs typeface="Times New Roman" panose="02020603050405020304" charset="0"/>
+                <a:sym typeface="+mn-ea"/>
+              </a:rPr>
+              <a:t> </a:t>
+            </a:r>
+            <a:r>
+              <a:rPr lang="en-US" sz="2000" dirty="0" err="1">
+                <a:latin typeface="Times New Roman" panose="02020603050405020304" charset="0"/>
+                <a:cs typeface="Times New Roman" panose="02020603050405020304" charset="0"/>
+                <a:sym typeface="+mn-ea"/>
+              </a:rPr>
+              <a:t>года</a:t>
+            </a:r>
+            <a:r>
+              <a:rPr lang="en-US" sz="2000" dirty="0">
+                <a:latin typeface="Times New Roman" panose="02020603050405020304" charset="0"/>
+                <a:cs typeface="Times New Roman" panose="02020603050405020304" charset="0"/>
+                <a:sym typeface="+mn-ea"/>
+              </a:rPr>
+              <a:t> </a:t>
+            </a:r>
+            <a:r>
+              <a:rPr lang="en-US" sz="2000" dirty="0" err="1">
+                <a:latin typeface="Times New Roman" panose="02020603050405020304" charset="0"/>
+                <a:cs typeface="Times New Roman" panose="02020603050405020304" charset="0"/>
+                <a:sym typeface="+mn-ea"/>
+              </a:rPr>
+              <a:t>работы</a:t>
+            </a:r>
+            <a:r>
+              <a:rPr lang="en-US" sz="2000" dirty="0">
+                <a:latin typeface="Times New Roman" panose="02020603050405020304" charset="0"/>
+                <a:cs typeface="Times New Roman" panose="02020603050405020304" charset="0"/>
+                <a:sym typeface="+mn-ea"/>
+              </a:rPr>
+              <a:t>. </a:t>
+            </a:r>
+            <a:r>
+              <a:rPr lang="en-US" sz="2000" dirty="0" err="1">
+                <a:latin typeface="Times New Roman" panose="02020603050405020304" charset="0"/>
+                <a:cs typeface="Times New Roman" panose="02020603050405020304" charset="0"/>
+                <a:sym typeface="+mn-ea"/>
+              </a:rPr>
+              <a:t>Функция</a:t>
+            </a:r>
+            <a:r>
+              <a:rPr lang="en-US" sz="2000" dirty="0">
+                <a:latin typeface="Times New Roman" panose="02020603050405020304" charset="0"/>
+                <a:cs typeface="Times New Roman" panose="02020603050405020304" charset="0"/>
+                <a:sym typeface="+mn-ea"/>
+              </a:rPr>
+              <a:t> main </a:t>
+            </a:r>
+            <a:r>
+              <a:rPr lang="en-US" sz="2000" dirty="0" err="1">
+                <a:latin typeface="Times New Roman" panose="02020603050405020304" charset="0"/>
+                <a:cs typeface="Times New Roman" panose="02020603050405020304" charset="0"/>
+                <a:sym typeface="+mn-ea"/>
+              </a:rPr>
+              <a:t>связывает</a:t>
+            </a:r>
+            <a:r>
+              <a:rPr lang="en-US" sz="2000" dirty="0">
+                <a:latin typeface="Times New Roman" panose="02020603050405020304" charset="0"/>
+                <a:cs typeface="Times New Roman" panose="02020603050405020304" charset="0"/>
+                <a:sym typeface="+mn-ea"/>
+              </a:rPr>
+              <a:t> </a:t>
+            </a:r>
+            <a:r>
+              <a:rPr lang="en-US" sz="2000" dirty="0" err="1">
+                <a:latin typeface="Times New Roman" panose="02020603050405020304" charset="0"/>
+                <a:cs typeface="Times New Roman" panose="02020603050405020304" charset="0"/>
+                <a:sym typeface="+mn-ea"/>
+              </a:rPr>
+              <a:t>часть</a:t>
+            </a:r>
+            <a:r>
+              <a:rPr lang="en-US" sz="2000" dirty="0">
+                <a:latin typeface="Times New Roman" panose="02020603050405020304" charset="0"/>
+                <a:cs typeface="Times New Roman" panose="02020603050405020304" charset="0"/>
+                <a:sym typeface="+mn-ea"/>
+              </a:rPr>
+              <a:t> </a:t>
+            </a:r>
+            <a:r>
+              <a:rPr lang="en-US" sz="2000" dirty="0" err="1">
+                <a:latin typeface="Times New Roman" panose="02020603050405020304" charset="0"/>
+                <a:cs typeface="Times New Roman" panose="02020603050405020304" charset="0"/>
+                <a:sym typeface="+mn-ea"/>
+              </a:rPr>
+              <a:t>старта</a:t>
+            </a:r>
+            <a:r>
+              <a:rPr lang="en-US" sz="2000" dirty="0">
+                <a:latin typeface="Times New Roman" panose="02020603050405020304" charset="0"/>
+                <a:cs typeface="Times New Roman" panose="02020603050405020304" charset="0"/>
+                <a:sym typeface="+mn-ea"/>
+              </a:rPr>
+              <a:t> с </a:t>
+            </a:r>
+            <a:r>
+              <a:rPr lang="en-US" sz="2000" dirty="0" err="1">
+                <a:latin typeface="Times New Roman" panose="02020603050405020304" charset="0"/>
+                <a:cs typeface="Times New Roman" panose="02020603050405020304" charset="0"/>
+                <a:sym typeface="+mn-ea"/>
+              </a:rPr>
+              <a:t>функцией</a:t>
+            </a:r>
+            <a:r>
+              <a:rPr lang="en-US" sz="2000" dirty="0">
+                <a:latin typeface="Times New Roman" panose="02020603050405020304" charset="0"/>
+                <a:cs typeface="Times New Roman" panose="02020603050405020304" charset="0"/>
+                <a:sym typeface="+mn-ea"/>
+              </a:rPr>
+              <a:t> в </a:t>
+            </a:r>
+            <a:r>
+              <a:rPr lang="en-US" sz="2000" dirty="0" err="1">
+                <a:latin typeface="Times New Roman" panose="02020603050405020304" charset="0"/>
+                <a:cs typeface="Times New Roman" panose="02020603050405020304" charset="0"/>
+                <a:sym typeface="+mn-ea"/>
+              </a:rPr>
+              <a:t>классе</a:t>
+            </a:r>
+            <a:r>
+              <a:rPr lang="en-US" sz="2000" dirty="0">
+                <a:latin typeface="Times New Roman" panose="02020603050405020304" charset="0"/>
+                <a:cs typeface="Times New Roman" panose="02020603050405020304" charset="0"/>
+                <a:sym typeface="+mn-ea"/>
+              </a:rPr>
+              <a:t> Bot </a:t>
+            </a:r>
+            <a:r>
+              <a:rPr lang="en-US" sz="2000" dirty="0" err="1">
+                <a:latin typeface="Times New Roman" panose="02020603050405020304" charset="0"/>
+                <a:cs typeface="Times New Roman" panose="02020603050405020304" charset="0"/>
+                <a:sym typeface="+mn-ea"/>
+              </a:rPr>
+              <a:t>отвечающую</a:t>
+            </a:r>
+            <a:r>
+              <a:rPr lang="en-US" sz="2000" dirty="0">
+                <a:latin typeface="Times New Roman" panose="02020603050405020304" charset="0"/>
+                <a:cs typeface="Times New Roman" panose="02020603050405020304" charset="0"/>
+                <a:sym typeface="+mn-ea"/>
+              </a:rPr>
+              <a:t> </a:t>
+            </a:r>
+            <a:r>
+              <a:rPr lang="en-US" sz="2000" dirty="0" err="1">
+                <a:latin typeface="Times New Roman" panose="02020603050405020304" charset="0"/>
+                <a:cs typeface="Times New Roman" panose="02020603050405020304" charset="0"/>
+                <a:sym typeface="+mn-ea"/>
+              </a:rPr>
+              <a:t>за</a:t>
+            </a:r>
+            <a:r>
+              <a:rPr lang="en-US" sz="2000" dirty="0">
+                <a:latin typeface="Times New Roman" panose="02020603050405020304" charset="0"/>
+                <a:cs typeface="Times New Roman" panose="02020603050405020304" charset="0"/>
+                <a:sym typeface="+mn-ea"/>
+              </a:rPr>
+              <a:t> </a:t>
+            </a:r>
+            <a:r>
+              <a:rPr lang="en-US" sz="2000" dirty="0" err="1">
+                <a:latin typeface="Times New Roman" panose="02020603050405020304" charset="0"/>
+                <a:cs typeface="Times New Roman" panose="02020603050405020304" charset="0"/>
+                <a:sym typeface="+mn-ea"/>
+              </a:rPr>
+              <a:t>выбор</a:t>
+            </a:r>
+            <a:r>
+              <a:rPr lang="en-US" sz="2000" dirty="0">
+                <a:latin typeface="Times New Roman" panose="02020603050405020304" charset="0"/>
+                <a:cs typeface="Times New Roman" panose="02020603050405020304" charset="0"/>
+                <a:sym typeface="+mn-ea"/>
+              </a:rPr>
+              <a:t> </a:t>
+            </a:r>
+            <a:r>
+              <a:rPr lang="en-US" sz="2000" dirty="0" err="1">
+                <a:latin typeface="Times New Roman" panose="02020603050405020304" charset="0"/>
+                <a:cs typeface="Times New Roman" panose="02020603050405020304" charset="0"/>
+                <a:sym typeface="+mn-ea"/>
+              </a:rPr>
+              <a:t>года</a:t>
+            </a:r>
+            <a:r>
+              <a:rPr lang="en-US" sz="2000" dirty="0">
+                <a:latin typeface="Times New Roman" panose="02020603050405020304" charset="0"/>
+                <a:cs typeface="Times New Roman" panose="02020603050405020304" charset="0"/>
+                <a:sym typeface="+mn-ea"/>
+              </a:rPr>
+              <a:t>. </a:t>
+            </a:r>
+            <a:r>
+              <a:rPr lang="en-US" sz="2000" dirty="0" err="1">
+                <a:latin typeface="Times New Roman" panose="02020603050405020304" charset="0"/>
+                <a:cs typeface="Times New Roman" panose="02020603050405020304" charset="0"/>
+                <a:sym typeface="+mn-ea"/>
+              </a:rPr>
+              <a:t>После</a:t>
+            </a:r>
+            <a:r>
+              <a:rPr lang="en-US" sz="2000" dirty="0">
+                <a:latin typeface="Times New Roman" panose="02020603050405020304" charset="0"/>
+                <a:cs typeface="Times New Roman" panose="02020603050405020304" charset="0"/>
+                <a:sym typeface="+mn-ea"/>
+              </a:rPr>
+              <a:t> </a:t>
+            </a:r>
+            <a:r>
+              <a:rPr lang="en-US" sz="2000" dirty="0" err="1">
+                <a:latin typeface="Times New Roman" panose="02020603050405020304" charset="0"/>
+                <a:cs typeface="Times New Roman" panose="02020603050405020304" charset="0"/>
+                <a:sym typeface="+mn-ea"/>
+              </a:rPr>
+              <a:t>выбора</a:t>
+            </a:r>
+            <a:r>
+              <a:rPr lang="en-US" sz="2000" dirty="0">
+                <a:latin typeface="Times New Roman" panose="02020603050405020304" charset="0"/>
+                <a:cs typeface="Times New Roman" panose="02020603050405020304" charset="0"/>
+                <a:sym typeface="+mn-ea"/>
+              </a:rPr>
+              <a:t> </a:t>
+            </a:r>
+            <a:r>
+              <a:rPr lang="en-US" sz="2000" dirty="0" err="1">
+                <a:latin typeface="Times New Roman" panose="02020603050405020304" charset="0"/>
+                <a:cs typeface="Times New Roman" panose="02020603050405020304" charset="0"/>
+                <a:sym typeface="+mn-ea"/>
+              </a:rPr>
+              <a:t>года</a:t>
+            </a:r>
+            <a:r>
+              <a:rPr lang="en-US" sz="2000" dirty="0">
+                <a:latin typeface="Times New Roman" panose="02020603050405020304" charset="0"/>
+                <a:cs typeface="Times New Roman" panose="02020603050405020304" charset="0"/>
+                <a:sym typeface="+mn-ea"/>
+              </a:rPr>
+              <a:t> </a:t>
+            </a:r>
+            <a:r>
+              <a:rPr lang="en-US" sz="2000" dirty="0" err="1">
+                <a:latin typeface="Times New Roman" panose="02020603050405020304" charset="0"/>
+                <a:cs typeface="Times New Roman" panose="02020603050405020304" charset="0"/>
+                <a:sym typeface="+mn-ea"/>
+              </a:rPr>
+              <a:t>нас</a:t>
+            </a:r>
+            <a:r>
+              <a:rPr lang="en-US" sz="2000" dirty="0">
+                <a:latin typeface="Times New Roman" panose="02020603050405020304" charset="0"/>
+                <a:cs typeface="Times New Roman" panose="02020603050405020304" charset="0"/>
+                <a:sym typeface="+mn-ea"/>
+              </a:rPr>
+              <a:t> </a:t>
+            </a:r>
+            <a:r>
+              <a:rPr lang="en-US" sz="2000" dirty="0" err="1">
+                <a:latin typeface="Times New Roman" panose="02020603050405020304" charset="0"/>
+                <a:cs typeface="Times New Roman" panose="02020603050405020304" charset="0"/>
+                <a:sym typeface="+mn-ea"/>
+              </a:rPr>
+              <a:t>переносят</a:t>
+            </a:r>
+            <a:r>
+              <a:rPr lang="en-US" sz="2000" dirty="0">
+                <a:latin typeface="Times New Roman" panose="02020603050405020304" charset="0"/>
+                <a:cs typeface="Times New Roman" panose="02020603050405020304" charset="0"/>
+                <a:sym typeface="+mn-ea"/>
+              </a:rPr>
+              <a:t> в </a:t>
+            </a:r>
+            <a:r>
+              <a:rPr lang="en-US" sz="2000" dirty="0" err="1">
+                <a:latin typeface="Times New Roman" panose="02020603050405020304" charset="0"/>
+                <a:cs typeface="Times New Roman" panose="02020603050405020304" charset="0"/>
+                <a:sym typeface="+mn-ea"/>
+              </a:rPr>
+              <a:t>функцию</a:t>
+            </a:r>
+            <a:r>
+              <a:rPr lang="en-US" sz="2000" dirty="0">
+                <a:latin typeface="Times New Roman" panose="02020603050405020304" charset="0"/>
+                <a:cs typeface="Times New Roman" panose="02020603050405020304" charset="0"/>
+                <a:sym typeface="+mn-ea"/>
+              </a:rPr>
+              <a:t> </a:t>
+            </a:r>
+            <a:r>
+              <a:rPr lang="en-US" sz="2000" dirty="0" err="1">
+                <a:latin typeface="Times New Roman" panose="02020603050405020304" charset="0"/>
+                <a:cs typeface="Times New Roman" panose="02020603050405020304" charset="0"/>
+                <a:sym typeface="+mn-ea"/>
+              </a:rPr>
+              <a:t>класса</a:t>
+            </a:r>
+            <a:r>
+              <a:rPr lang="en-US" sz="2000" dirty="0">
+                <a:latin typeface="Times New Roman" panose="02020603050405020304" charset="0"/>
+                <a:cs typeface="Times New Roman" panose="02020603050405020304" charset="0"/>
+                <a:sym typeface="+mn-ea"/>
+              </a:rPr>
+              <a:t> Question </a:t>
+            </a:r>
+            <a:r>
+              <a:rPr lang="en-US" sz="2000" dirty="0" err="1">
+                <a:latin typeface="Times New Roman" panose="02020603050405020304" charset="0"/>
+                <a:cs typeface="Times New Roman" panose="02020603050405020304" charset="0"/>
+                <a:sym typeface="+mn-ea"/>
+              </a:rPr>
+              <a:t>ask_a_question</a:t>
+            </a:r>
+            <a:r>
+              <a:rPr lang="en-US" sz="2000" dirty="0">
+                <a:latin typeface="Times New Roman" panose="02020603050405020304" charset="0"/>
+                <a:cs typeface="Times New Roman" panose="02020603050405020304" charset="0"/>
+                <a:sym typeface="+mn-ea"/>
+              </a:rPr>
+              <a:t>? </a:t>
+            </a:r>
+            <a:r>
+              <a:rPr lang="en-US" sz="2000" dirty="0" err="1">
+                <a:latin typeface="Times New Roman" panose="02020603050405020304" charset="0"/>
+                <a:cs typeface="Times New Roman" panose="02020603050405020304" charset="0"/>
+                <a:sym typeface="+mn-ea"/>
+              </a:rPr>
+              <a:t>Где</a:t>
+            </a:r>
+            <a:r>
+              <a:rPr lang="en-US" sz="2000" dirty="0">
+                <a:latin typeface="Times New Roman" panose="02020603050405020304" charset="0"/>
+                <a:cs typeface="Times New Roman" panose="02020603050405020304" charset="0"/>
+                <a:sym typeface="+mn-ea"/>
+              </a:rPr>
+              <a:t> </a:t>
+            </a:r>
+            <a:r>
+              <a:rPr lang="en-US" sz="2000" dirty="0" err="1">
+                <a:latin typeface="Times New Roman" panose="02020603050405020304" charset="0"/>
+                <a:cs typeface="Times New Roman" panose="02020603050405020304" charset="0"/>
+                <a:sym typeface="+mn-ea"/>
+              </a:rPr>
+              <a:t>пользователь</a:t>
+            </a:r>
+            <a:r>
+              <a:rPr lang="en-US" sz="2000" dirty="0">
+                <a:latin typeface="Times New Roman" panose="02020603050405020304" charset="0"/>
+                <a:cs typeface="Times New Roman" panose="02020603050405020304" charset="0"/>
+                <a:sym typeface="+mn-ea"/>
+              </a:rPr>
+              <a:t> </a:t>
+            </a:r>
+            <a:r>
+              <a:rPr lang="en-US" sz="2000" dirty="0" err="1">
+                <a:latin typeface="Times New Roman" panose="02020603050405020304" charset="0"/>
+                <a:cs typeface="Times New Roman" panose="02020603050405020304" charset="0"/>
+                <a:sym typeface="+mn-ea"/>
+              </a:rPr>
+              <a:t>отвечает</a:t>
+            </a:r>
+            <a:r>
+              <a:rPr lang="en-US" sz="2000" dirty="0">
+                <a:latin typeface="Times New Roman" panose="02020603050405020304" charset="0"/>
+                <a:cs typeface="Times New Roman" panose="02020603050405020304" charset="0"/>
+                <a:sym typeface="+mn-ea"/>
+              </a:rPr>
+              <a:t> </a:t>
+            </a:r>
+            <a:r>
+              <a:rPr lang="en-US" sz="2000" dirty="0" err="1">
+                <a:latin typeface="Times New Roman" panose="02020603050405020304" charset="0"/>
+                <a:cs typeface="Times New Roman" panose="02020603050405020304" charset="0"/>
+                <a:sym typeface="+mn-ea"/>
+              </a:rPr>
+              <a:t>на</a:t>
+            </a:r>
+            <a:r>
+              <a:rPr lang="en-US" sz="2000" dirty="0">
+                <a:latin typeface="Times New Roman" panose="02020603050405020304" charset="0"/>
+                <a:cs typeface="Times New Roman" panose="02020603050405020304" charset="0"/>
+                <a:sym typeface="+mn-ea"/>
+              </a:rPr>
+              <a:t> </a:t>
+            </a:r>
+            <a:r>
+              <a:rPr lang="en-US" sz="2000" dirty="0" err="1">
+                <a:latin typeface="Times New Roman" panose="02020603050405020304" charset="0"/>
+                <a:cs typeface="Times New Roman" panose="02020603050405020304" charset="0"/>
+                <a:sym typeface="+mn-ea"/>
+              </a:rPr>
+              <a:t>вопросы</a:t>
+            </a:r>
+            <a:r>
+              <a:rPr lang="en-US" sz="2000" dirty="0">
+                <a:latin typeface="Times New Roman" panose="02020603050405020304" charset="0"/>
+                <a:cs typeface="Times New Roman" panose="02020603050405020304" charset="0"/>
+                <a:sym typeface="+mn-ea"/>
+              </a:rPr>
+              <a:t> </a:t>
+            </a:r>
+            <a:r>
+              <a:rPr lang="en-US" sz="2000" dirty="0" err="1">
+                <a:latin typeface="Times New Roman" panose="02020603050405020304" charset="0"/>
+                <a:cs typeface="Times New Roman" panose="02020603050405020304" charset="0"/>
+                <a:sym typeface="+mn-ea"/>
+              </a:rPr>
+              <a:t>из</a:t>
+            </a:r>
+            <a:r>
+              <a:rPr lang="en-US" sz="2000" dirty="0">
+                <a:latin typeface="Times New Roman" panose="02020603050405020304" charset="0"/>
+                <a:cs typeface="Times New Roman" panose="02020603050405020304" charset="0"/>
+                <a:sym typeface="+mn-ea"/>
+              </a:rPr>
+              <a:t> ОГЭ </a:t>
+            </a:r>
+            <a:r>
+              <a:rPr lang="en-US" sz="2000" dirty="0" err="1">
+                <a:latin typeface="Times New Roman" panose="02020603050405020304" charset="0"/>
+                <a:cs typeface="Times New Roman" panose="02020603050405020304" charset="0"/>
+                <a:sym typeface="+mn-ea"/>
+              </a:rPr>
+              <a:t>по</a:t>
+            </a:r>
+            <a:r>
+              <a:rPr lang="en-US" sz="2000" dirty="0">
+                <a:latin typeface="Times New Roman" panose="02020603050405020304" charset="0"/>
+                <a:cs typeface="Times New Roman" panose="02020603050405020304" charset="0"/>
+                <a:sym typeface="+mn-ea"/>
+              </a:rPr>
+              <a:t> </a:t>
+            </a:r>
+            <a:r>
+              <a:rPr lang="en-US" sz="2000" dirty="0" err="1">
+                <a:latin typeface="Times New Roman" panose="02020603050405020304" charset="0"/>
+                <a:cs typeface="Times New Roman" panose="02020603050405020304" charset="0"/>
+                <a:sym typeface="+mn-ea"/>
+              </a:rPr>
+              <a:t>обществу</a:t>
+            </a:r>
+            <a:r>
+              <a:rPr lang="en-US" sz="2000" dirty="0">
+                <a:latin typeface="Times New Roman" panose="02020603050405020304" charset="0"/>
+                <a:cs typeface="Times New Roman" panose="02020603050405020304" charset="0"/>
+                <a:sym typeface="+mn-ea"/>
+              </a:rPr>
+              <a:t> </a:t>
+            </a:r>
+            <a:r>
+              <a:rPr lang="en-US" sz="2000" dirty="0" err="1">
+                <a:latin typeface="Times New Roman" panose="02020603050405020304" charset="0"/>
+                <a:cs typeface="Times New Roman" panose="02020603050405020304" charset="0"/>
+                <a:sym typeface="+mn-ea"/>
+              </a:rPr>
+              <a:t>за</a:t>
+            </a:r>
+            <a:r>
+              <a:rPr lang="en-US" sz="2000" dirty="0">
+                <a:latin typeface="Times New Roman" panose="02020603050405020304" charset="0"/>
+                <a:cs typeface="Times New Roman" panose="02020603050405020304" charset="0"/>
+                <a:sym typeface="+mn-ea"/>
+              </a:rPr>
+              <a:t> </a:t>
+            </a:r>
+            <a:r>
+              <a:rPr lang="en-US" sz="2000" dirty="0" err="1">
+                <a:latin typeface="Times New Roman" panose="02020603050405020304" charset="0"/>
+                <a:cs typeface="Times New Roman" panose="02020603050405020304" charset="0"/>
+                <a:sym typeface="+mn-ea"/>
+              </a:rPr>
+              <a:t>выбранный</a:t>
+            </a:r>
+            <a:r>
+              <a:rPr lang="en-US" sz="2000" dirty="0">
+                <a:latin typeface="Times New Roman" panose="02020603050405020304" charset="0"/>
+                <a:cs typeface="Times New Roman" panose="02020603050405020304" charset="0"/>
+                <a:sym typeface="+mn-ea"/>
+              </a:rPr>
+              <a:t> </a:t>
+            </a:r>
+            <a:r>
+              <a:rPr lang="en-US" sz="2000" dirty="0" err="1">
+                <a:latin typeface="Times New Roman" panose="02020603050405020304" charset="0"/>
+                <a:cs typeface="Times New Roman" panose="02020603050405020304" charset="0"/>
+                <a:sym typeface="+mn-ea"/>
+              </a:rPr>
+              <a:t>ранее</a:t>
+            </a:r>
+            <a:r>
+              <a:rPr lang="en-US" sz="2000" dirty="0">
+                <a:latin typeface="Times New Roman" panose="02020603050405020304" charset="0"/>
+                <a:cs typeface="Times New Roman" panose="02020603050405020304" charset="0"/>
+                <a:sym typeface="+mn-ea"/>
+              </a:rPr>
+              <a:t> </a:t>
+            </a:r>
+            <a:r>
+              <a:rPr lang="en-US" sz="2000" dirty="0" err="1">
+                <a:latin typeface="Times New Roman" panose="02020603050405020304" charset="0"/>
+                <a:cs typeface="Times New Roman" panose="02020603050405020304" charset="0"/>
+                <a:sym typeface="+mn-ea"/>
+              </a:rPr>
+              <a:t>год</a:t>
+            </a:r>
+            <a:r>
+              <a:rPr lang="en-US" sz="2000" dirty="0">
+                <a:latin typeface="Times New Roman" panose="02020603050405020304" charset="0"/>
+                <a:cs typeface="Times New Roman" panose="02020603050405020304" charset="0"/>
+                <a:sym typeface="+mn-ea"/>
+              </a:rPr>
+              <a:t> (2022). </a:t>
+            </a:r>
+            <a:r>
+              <a:rPr lang="en-US" sz="2000" dirty="0" err="1">
+                <a:latin typeface="Times New Roman" panose="02020603050405020304" charset="0"/>
+                <a:cs typeface="Times New Roman" panose="02020603050405020304" charset="0"/>
+                <a:sym typeface="+mn-ea"/>
+              </a:rPr>
+              <a:t>По</a:t>
+            </a:r>
+            <a:r>
+              <a:rPr lang="en-US" sz="2000" dirty="0">
+                <a:latin typeface="Times New Roman" panose="02020603050405020304" charset="0"/>
+                <a:cs typeface="Times New Roman" panose="02020603050405020304" charset="0"/>
+                <a:sym typeface="+mn-ea"/>
+              </a:rPr>
+              <a:t> </a:t>
+            </a:r>
+            <a:r>
+              <a:rPr lang="en-US" sz="2000" dirty="0" err="1">
+                <a:latin typeface="Times New Roman" panose="02020603050405020304" charset="0"/>
+                <a:cs typeface="Times New Roman" panose="02020603050405020304" charset="0"/>
+                <a:sym typeface="+mn-ea"/>
+              </a:rPr>
+              <a:t>окончанию</a:t>
+            </a:r>
+            <a:r>
+              <a:rPr lang="en-US" sz="2000" dirty="0">
+                <a:latin typeface="Times New Roman" panose="02020603050405020304" charset="0"/>
+                <a:cs typeface="Times New Roman" panose="02020603050405020304" charset="0"/>
+                <a:sym typeface="+mn-ea"/>
+              </a:rPr>
+              <a:t> </a:t>
+            </a:r>
+            <a:r>
+              <a:rPr lang="en-US" sz="2000" dirty="0" err="1">
+                <a:latin typeface="Times New Roman" panose="02020603050405020304" charset="0"/>
+                <a:cs typeface="Times New Roman" panose="02020603050405020304" charset="0"/>
+                <a:sym typeface="+mn-ea"/>
+              </a:rPr>
+              <a:t>тестирования</a:t>
+            </a:r>
+            <a:r>
+              <a:rPr lang="en-US" sz="2000" dirty="0">
+                <a:latin typeface="Times New Roman" panose="02020603050405020304" charset="0"/>
+                <a:cs typeface="Times New Roman" panose="02020603050405020304" charset="0"/>
+                <a:sym typeface="+mn-ea"/>
+              </a:rPr>
+              <a:t> </a:t>
+            </a:r>
+            <a:r>
+              <a:rPr lang="en-US" sz="2000" dirty="0" err="1">
+                <a:latin typeface="Times New Roman" panose="02020603050405020304" charset="0"/>
+                <a:cs typeface="Times New Roman" panose="02020603050405020304" charset="0"/>
+                <a:sym typeface="+mn-ea"/>
+              </a:rPr>
+              <a:t>нас</a:t>
+            </a:r>
+            <a:r>
+              <a:rPr lang="en-US" sz="2000" dirty="0">
+                <a:latin typeface="Times New Roman" panose="02020603050405020304" charset="0"/>
+                <a:cs typeface="Times New Roman" panose="02020603050405020304" charset="0"/>
+                <a:sym typeface="+mn-ea"/>
+              </a:rPr>
+              <a:t> </a:t>
+            </a:r>
+            <a:r>
+              <a:rPr lang="en-US" sz="2000" dirty="0" err="1">
+                <a:latin typeface="Times New Roman" panose="02020603050405020304" charset="0"/>
+                <a:cs typeface="Times New Roman" panose="02020603050405020304" charset="0"/>
+                <a:sym typeface="+mn-ea"/>
+              </a:rPr>
+              <a:t>переносят</a:t>
+            </a:r>
+            <a:r>
+              <a:rPr lang="en-US" sz="2000" dirty="0">
+                <a:latin typeface="Times New Roman" panose="02020603050405020304" charset="0"/>
+                <a:cs typeface="Times New Roman" panose="02020603050405020304" charset="0"/>
+                <a:sym typeface="+mn-ea"/>
+              </a:rPr>
+              <a:t> в </a:t>
+            </a:r>
+            <a:r>
+              <a:rPr lang="en-US" sz="2000" dirty="0" err="1">
+                <a:latin typeface="Times New Roman" panose="02020603050405020304" charset="0"/>
+                <a:cs typeface="Times New Roman" panose="02020603050405020304" charset="0"/>
+                <a:sym typeface="+mn-ea"/>
+              </a:rPr>
+              <a:t>функцию</a:t>
+            </a:r>
+            <a:r>
+              <a:rPr lang="en-US" sz="2000" dirty="0">
+                <a:latin typeface="Times New Roman" panose="02020603050405020304" charset="0"/>
+                <a:cs typeface="Times New Roman" panose="02020603050405020304" charset="0"/>
+                <a:sym typeface="+mn-ea"/>
+              </a:rPr>
+              <a:t> </a:t>
+            </a:r>
+            <a:r>
+              <a:rPr lang="en-US" sz="2000" dirty="0" err="1">
+                <a:latin typeface="Times New Roman" panose="02020603050405020304" charset="0"/>
+                <a:cs typeface="Times New Roman" panose="02020603050405020304" charset="0"/>
+                <a:sym typeface="+mn-ea"/>
+              </a:rPr>
+              <a:t>класса</a:t>
+            </a:r>
+            <a:r>
+              <a:rPr lang="en-US" sz="2000" dirty="0">
+                <a:latin typeface="Times New Roman" panose="02020603050405020304" charset="0"/>
+                <a:cs typeface="Times New Roman" panose="02020603050405020304" charset="0"/>
+                <a:sym typeface="+mn-ea"/>
+              </a:rPr>
+              <a:t> Ending: </a:t>
+            </a:r>
+            <a:r>
+              <a:rPr lang="en-US" sz="2000" dirty="0" err="1">
+                <a:latin typeface="Times New Roman" panose="02020603050405020304" charset="0"/>
+                <a:cs typeface="Times New Roman" panose="02020603050405020304" charset="0"/>
+                <a:sym typeface="+mn-ea"/>
+              </a:rPr>
+              <a:t>checking_the_ends</a:t>
+            </a:r>
+            <a:r>
+              <a:rPr lang="en-US" sz="2000" dirty="0">
+                <a:latin typeface="Times New Roman" panose="02020603050405020304" charset="0"/>
+                <a:cs typeface="Times New Roman" panose="02020603050405020304" charset="0"/>
+                <a:sym typeface="+mn-ea"/>
+              </a:rPr>
+              <a:t>, </a:t>
+            </a:r>
+            <a:r>
+              <a:rPr lang="en-US" sz="2000" dirty="0" err="1">
+                <a:latin typeface="Times New Roman" panose="02020603050405020304" charset="0"/>
+                <a:cs typeface="Times New Roman" panose="02020603050405020304" charset="0"/>
+                <a:sym typeface="+mn-ea"/>
+              </a:rPr>
+              <a:t>где</a:t>
+            </a:r>
+            <a:r>
+              <a:rPr lang="en-US" sz="2000" dirty="0">
+                <a:latin typeface="Times New Roman" panose="02020603050405020304" charset="0"/>
+                <a:cs typeface="Times New Roman" panose="02020603050405020304" charset="0"/>
+                <a:sym typeface="+mn-ea"/>
+              </a:rPr>
+              <a:t> </a:t>
+            </a:r>
+            <a:r>
+              <a:rPr lang="en-US" sz="2000" dirty="0" err="1">
+                <a:latin typeface="Times New Roman" panose="02020603050405020304" charset="0"/>
+                <a:cs typeface="Times New Roman" panose="02020603050405020304" charset="0"/>
+                <a:sym typeface="+mn-ea"/>
+              </a:rPr>
+              <a:t>выбирается</a:t>
+            </a:r>
+            <a:r>
+              <a:rPr lang="en-US" sz="2000" dirty="0">
+                <a:latin typeface="Times New Roman" panose="02020603050405020304" charset="0"/>
+                <a:cs typeface="Times New Roman" panose="02020603050405020304" charset="0"/>
+                <a:sym typeface="+mn-ea"/>
+              </a:rPr>
+              <a:t> </a:t>
+            </a:r>
+            <a:r>
+              <a:rPr lang="en-US" sz="2000" dirty="0" err="1">
+                <a:latin typeface="Times New Roman" panose="02020603050405020304" charset="0"/>
+                <a:cs typeface="Times New Roman" panose="02020603050405020304" charset="0"/>
+                <a:sym typeface="+mn-ea"/>
+              </a:rPr>
+              <a:t>нужная</a:t>
+            </a:r>
+            <a:r>
+              <a:rPr lang="en-US" sz="2000" dirty="0">
+                <a:latin typeface="Times New Roman" panose="02020603050405020304" charset="0"/>
+                <a:cs typeface="Times New Roman" panose="02020603050405020304" charset="0"/>
+                <a:sym typeface="+mn-ea"/>
+              </a:rPr>
+              <a:t> </a:t>
+            </a:r>
+            <a:r>
+              <a:rPr lang="en-US" sz="2000" dirty="0" err="1">
+                <a:latin typeface="Times New Roman" panose="02020603050405020304" charset="0"/>
+                <a:cs typeface="Times New Roman" panose="02020603050405020304" charset="0"/>
+                <a:sym typeface="+mn-ea"/>
+              </a:rPr>
+              <a:t>концовка</a:t>
+            </a:r>
+            <a:r>
+              <a:rPr lang="en-US" sz="2000" dirty="0">
+                <a:latin typeface="Times New Roman" panose="02020603050405020304" charset="0"/>
+                <a:cs typeface="Times New Roman" panose="02020603050405020304" charset="0"/>
+                <a:sym typeface="+mn-ea"/>
+              </a:rPr>
+              <a:t> в </a:t>
+            </a:r>
+            <a:r>
+              <a:rPr lang="en-US" sz="2000" dirty="0" err="1">
+                <a:latin typeface="Times New Roman" panose="02020603050405020304" charset="0"/>
+                <a:cs typeface="Times New Roman" panose="02020603050405020304" charset="0"/>
+                <a:sym typeface="+mn-ea"/>
+              </a:rPr>
+              <a:t>зависимости</a:t>
+            </a:r>
+            <a:r>
+              <a:rPr lang="en-US" sz="2000" dirty="0">
+                <a:latin typeface="Times New Roman" panose="02020603050405020304" charset="0"/>
+                <a:cs typeface="Times New Roman" panose="02020603050405020304" charset="0"/>
+                <a:sym typeface="+mn-ea"/>
+              </a:rPr>
+              <a:t> </a:t>
+            </a:r>
+            <a:r>
+              <a:rPr lang="en-US" sz="2000" dirty="0" err="1">
+                <a:latin typeface="Times New Roman" panose="02020603050405020304" charset="0"/>
+                <a:cs typeface="Times New Roman" panose="02020603050405020304" charset="0"/>
+                <a:sym typeface="+mn-ea"/>
+              </a:rPr>
+              <a:t>от</a:t>
+            </a:r>
+            <a:r>
+              <a:rPr lang="en-US" sz="2000" dirty="0">
+                <a:latin typeface="Times New Roman" panose="02020603050405020304" charset="0"/>
+                <a:cs typeface="Times New Roman" panose="02020603050405020304" charset="0"/>
+                <a:sym typeface="+mn-ea"/>
+              </a:rPr>
+              <a:t> </a:t>
+            </a:r>
+            <a:r>
+              <a:rPr lang="en-US" sz="2000" dirty="0" err="1">
+                <a:latin typeface="Times New Roman" panose="02020603050405020304" charset="0"/>
+                <a:cs typeface="Times New Roman" panose="02020603050405020304" charset="0"/>
+                <a:sym typeface="+mn-ea"/>
+              </a:rPr>
+              <a:t>количества</a:t>
+            </a:r>
+            <a:r>
+              <a:rPr lang="en-US" sz="2000" dirty="0">
+                <a:latin typeface="Times New Roman" panose="02020603050405020304" charset="0"/>
+                <a:cs typeface="Times New Roman" panose="02020603050405020304" charset="0"/>
+                <a:sym typeface="+mn-ea"/>
+              </a:rPr>
+              <a:t> </a:t>
+            </a:r>
+            <a:r>
+              <a:rPr lang="en-US" sz="2000" dirty="0" err="1">
+                <a:latin typeface="Times New Roman" panose="02020603050405020304" charset="0"/>
+                <a:cs typeface="Times New Roman" panose="02020603050405020304" charset="0"/>
+                <a:sym typeface="+mn-ea"/>
+              </a:rPr>
+              <a:t>набранных</a:t>
+            </a:r>
+            <a:r>
+              <a:rPr lang="en-US" sz="2000" dirty="0">
+                <a:latin typeface="Times New Roman" panose="02020603050405020304" charset="0"/>
+                <a:cs typeface="Times New Roman" panose="02020603050405020304" charset="0"/>
+                <a:sym typeface="+mn-ea"/>
+              </a:rPr>
+              <a:t> </a:t>
+            </a:r>
+            <a:r>
+              <a:rPr lang="en-US" sz="2000" dirty="0" err="1">
+                <a:latin typeface="Times New Roman" panose="02020603050405020304" charset="0"/>
+                <a:cs typeface="Times New Roman" panose="02020603050405020304" charset="0"/>
+                <a:sym typeface="+mn-ea"/>
+              </a:rPr>
+              <a:t>баллов</a:t>
+            </a:r>
+            <a:r>
+              <a:rPr lang="en-US" sz="2000" dirty="0">
+                <a:latin typeface="Times New Roman" panose="02020603050405020304" charset="0"/>
+                <a:cs typeface="Times New Roman" panose="02020603050405020304" charset="0"/>
+                <a:sym typeface="+mn-ea"/>
+              </a:rPr>
+              <a:t>. </a:t>
+            </a:r>
+            <a:endParaRPr lang="en-US" sz="2000" dirty="0">
               <a:latin typeface="Times New Roman" panose="02020603050405020304" charset="0"/>
               <a:cs typeface="Times New Roman" panose="02020603050405020304" charset="0"/>
             </a:endParaRPr>
           </a:p>
         </p:txBody>
       </p:sp>
-      <p:sp>
-        <p:nvSpPr>
-          <p:cNvPr id="3" name="Content Placeholder 2"/>
-          <p:cNvSpPr>
-            <a:spLocks noGrp="1"/>
-          </p:cNvSpPr>
-          <p:nvPr>
-            <p:ph idx="1"/>
-          </p:nvPr>
-        </p:nvSpPr>
-        <p:spPr/>
-        <p:txBody>
-          <a:bodyPr>
-            <a:normAutofit/>
-          </a:bodyPr>
-          <a:p>
-            <a:pPr marL="0" indent="0">
-              <a:buNone/>
-            </a:pPr>
-            <a:r>
-              <a:rPr lang="en-US" sz="2000">
-                <a:latin typeface="Times New Roman" panose="02020603050405020304" charset="0"/>
-                <a:cs typeface="Times New Roman" panose="02020603050405020304" charset="0"/>
-                <a:sym typeface="+mn-ea"/>
-              </a:rPr>
-              <a:t>В коде нашего бота есть 3 класса (Question, Bot, Ending), а также функция связист: main. Функция start отвечает за начальные действия в боте: приветствие, и введение года работы. Функция main связывает часть старта с функцией в классе Bot отвечающую за выбор года. После выбора года нас переносят в функцию класса Question ask_a_question? Где пользователь отвечает на вопросы из ОГЭ по обществу за выбранный ранее год (2022). По окончанию тестирования нас переносят в функцию класса Ending: checking_the_ends, где выбирается нужная концовка в зависимости от количества набранных баллов. </a:t>
-            </a:r>
-            <a:endParaRPr lang="en-US" sz="2000">
-              <a:latin typeface="Times New Roman" panose="02020603050405020304" charset="0"/>
-              <a:cs typeface="Times New Roman" panose="02020603050405020304" charset="0"/>
-            </a:endParaRPr>
-          </a:p>
-        </p:txBody>
-      </p:sp>
+      <p:pic>
+        <p:nvPicPr>
+          <p:cNvPr id="4" name="Content Placeholder 1073742849" descr="Скриншот 02-05-2022 201748"/>
+          <p:cNvPicPr>
+            <a:picLocks noChangeAspect="1"/>
+          </p:cNvPicPr>
+          <p:nvPr/>
+        </p:nvPicPr>
+        <p:blipFill>
+          <a:blip r:embed="rId2"/>
+          <a:stretch>
+            <a:fillRect/>
+          </a:stretch>
+        </p:blipFill>
+        <p:spPr>
+          <a:xfrm>
+            <a:off x="317584" y="963903"/>
+            <a:ext cx="3663315" cy="4780280"/>
+          </a:xfrm>
+          <a:prstGeom prst="rect">
+            <a:avLst/>
+          </a:prstGeom>
+          <a:noFill/>
+          <a:ln w="9525">
+            <a:noFill/>
+          </a:ln>
+        </p:spPr>
+      </p:pic>
     </p:spTree>
   </p:cSld>
   <p:clrMapOvr>
@@ -3228,7 +4910,14 @@
         <p:cNvGrpSpPr/>
         <p:nvPr/>
       </p:nvGrpSpPr>
-      <p:grpSpPr/>
+      <p:grpSpPr>
+        <a:xfrm>
+          <a:off x="0" y="0"/>
+          <a:ext cx="0" cy="0"/>
+          <a:chOff x="0" y="0"/>
+          <a:chExt cx="0" cy="0"/>
+        </a:xfrm>
+      </p:grpSpPr>
       <p:sp>
         <p:nvSpPr>
           <p:cNvPr id="2" name="Title 1"/>
@@ -3244,78 +4933,352 @@
           <a:bodyPr>
             <a:normAutofit fontScale="90000"/>
           </a:bodyPr>
+          <a:lstStyle/>
           <a:p>
             <a:pPr algn="ctr"/>
             <a:r>
-              <a:rPr lang="ru-RU" altLang="en-US" sz="3600" b="1">
+              <a:rPr lang="ru-RU" altLang="en-US" sz="3600" b="1" dirty="0">
                 <a:latin typeface="Times New Roman" panose="02020603050405020304" charset="0"/>
                 <a:cs typeface="Times New Roman" panose="02020603050405020304" charset="0"/>
               </a:rPr>
               <a:t>Описание технологий + необходимые для запуска библиотеки:	</a:t>
             </a:r>
             <a:br>
-              <a:rPr lang="ru-RU" altLang="en-US" sz="3600" b="1">
+              <a:rPr lang="ru-RU" altLang="en-US" sz="3600" b="1" dirty="0">
                 <a:latin typeface="Times New Roman" panose="02020603050405020304" charset="0"/>
                 <a:cs typeface="Times New Roman" panose="02020603050405020304" charset="0"/>
               </a:rPr>
             </a:br>
             <a:r>
-              <a:rPr lang="ru-RU" altLang="en-US" sz="3600" b="1">
+              <a:rPr lang="ru-RU" altLang="en-US" sz="3600" b="1" dirty="0">
                 <a:latin typeface="Times New Roman" panose="02020603050405020304" charset="0"/>
                 <a:cs typeface="Times New Roman" panose="02020603050405020304" charset="0"/>
               </a:rPr>
               <a:t>язык</a:t>
             </a:r>
-            <a:endParaRPr lang="ru-RU" altLang="en-US" sz="3600" b="1">
-              <a:latin typeface="Times New Roman" panose="02020603050405020304" charset="0"/>
-              <a:cs typeface="Times New Roman" panose="02020603050405020304" charset="0"/>
-            </a:endParaRPr>
-          </a:p>
-        </p:txBody>
-      </p:sp>
-      <p:sp>
-        <p:nvSpPr>
-          <p:cNvPr id="3" name="Content Placeholder 2"/>
-          <p:cNvSpPr>
-            <a:spLocks noGrp="1"/>
-          </p:cNvSpPr>
-          <p:nvPr>
-            <p:ph idx="1"/>
-          </p:nvPr>
-        </p:nvSpPr>
-        <p:spPr/>
-        <p:txBody>
-          <a:bodyPr/>
-          <a:p>
-            <a:r>
-              <a:rPr lang="en-US"/>
+          </a:p>
+        </p:txBody>
+      </p:sp>
+      <p:sp>
+        <p:nvSpPr>
+          <p:cNvPr id="4" name="TextBox 3"/>
+          <p:cNvSpPr txBox="1"/>
+          <p:nvPr/>
+        </p:nvSpPr>
+        <p:spPr>
+          <a:xfrm>
+            <a:off x="838200" y="1882499"/>
+            <a:ext cx="905312" cy="369332"/>
+          </a:xfrm>
+          <a:prstGeom prst="rect">
+            <a:avLst/>
+          </a:prstGeom>
+          <a:noFill/>
+        </p:spPr>
+        <p:txBody>
+          <a:bodyPr wrap="none" rtlCol="0">
+            <a:spAutoFit/>
+          </a:bodyPr>
+          <a:lstStyle/>
+          <a:p>
+            <a:r>
+              <a:rPr lang="en-US" dirty="0"/>
               <a:t>Python </a:t>
             </a:r>
-            <a:endParaRPr lang="en-US"/>
-          </a:p>
-          <a:p>
-            <a:r>
-              <a:rPr lang="en-US"/>
-              <a:t>среда программирования: PyCharm</a:t>
-            </a:r>
-            <a:endParaRPr lang="en-US"/>
-          </a:p>
-          <a:p>
-            <a:r>
-              <a:rPr lang="en-US"/>
-              <a:t>система контроля версии: Git</a:t>
-            </a:r>
-            <a:endParaRPr lang="en-US"/>
-          </a:p>
-          <a:p>
-            <a:r>
-              <a:rPr lang="en-US"/>
-              <a:t>библиотека: API python-telegram-bot</a:t>
-            </a:r>
-            <a:endParaRPr lang="en-US"/>
-          </a:p>
-        </p:txBody>
-      </p:sp>
+          </a:p>
+        </p:txBody>
+      </p:sp>
+      <p:sp>
+        <p:nvSpPr>
+          <p:cNvPr id="5" name="TextBox 4"/>
+          <p:cNvSpPr txBox="1"/>
+          <p:nvPr/>
+        </p:nvSpPr>
+        <p:spPr>
+          <a:xfrm>
+            <a:off x="6755921" y="2343636"/>
+            <a:ext cx="3703065" cy="369332"/>
+          </a:xfrm>
+          <a:prstGeom prst="rect">
+            <a:avLst/>
+          </a:prstGeom>
+          <a:noFill/>
+        </p:spPr>
+        <p:txBody>
+          <a:bodyPr wrap="none" rtlCol="0">
+            <a:spAutoFit/>
+          </a:bodyPr>
+          <a:lstStyle/>
+          <a:p>
+            <a:r>
+              <a:rPr lang="en-US" dirty="0" err="1"/>
+              <a:t>среда</a:t>
+            </a:r>
+            <a:r>
+              <a:rPr lang="en-US" dirty="0"/>
+              <a:t> </a:t>
+            </a:r>
+            <a:r>
+              <a:rPr lang="en-US" dirty="0" err="1"/>
+              <a:t>программирования</a:t>
+            </a:r>
+            <a:r>
+              <a:rPr lang="en-US" dirty="0"/>
+              <a:t>: </a:t>
+            </a:r>
+            <a:r>
+              <a:rPr lang="en-US" dirty="0" err="1" smtClean="0"/>
+              <a:t>PyCharm</a:t>
+            </a:r>
+            <a:endParaRPr lang="en-US" dirty="0"/>
+          </a:p>
+        </p:txBody>
+      </p:sp>
+      <p:sp>
+        <p:nvSpPr>
+          <p:cNvPr id="6" name="TextBox 5"/>
+          <p:cNvSpPr txBox="1"/>
+          <p:nvPr/>
+        </p:nvSpPr>
+        <p:spPr>
+          <a:xfrm>
+            <a:off x="493144" y="4506797"/>
+            <a:ext cx="3498398" cy="369332"/>
+          </a:xfrm>
+          <a:prstGeom prst="rect">
+            <a:avLst/>
+          </a:prstGeom>
+          <a:noFill/>
+        </p:spPr>
+        <p:txBody>
+          <a:bodyPr wrap="square" rtlCol="0">
+            <a:spAutoFit/>
+          </a:bodyPr>
+          <a:lstStyle/>
+          <a:p>
+            <a:r>
+              <a:rPr lang="en-US" dirty="0" err="1"/>
+              <a:t>система</a:t>
+            </a:r>
+            <a:r>
+              <a:rPr lang="en-US" dirty="0"/>
+              <a:t> </a:t>
+            </a:r>
+            <a:r>
+              <a:rPr lang="en-US" dirty="0" err="1"/>
+              <a:t>контроля</a:t>
+            </a:r>
+            <a:r>
+              <a:rPr lang="en-US" dirty="0"/>
+              <a:t> </a:t>
+            </a:r>
+            <a:r>
+              <a:rPr lang="en-US" dirty="0" err="1"/>
+              <a:t>версии</a:t>
+            </a:r>
+            <a:r>
+              <a:rPr lang="en-US" dirty="0"/>
+              <a:t>: </a:t>
+            </a:r>
+            <a:r>
+              <a:rPr lang="en-US" dirty="0" err="1" smtClean="0"/>
+              <a:t>Git</a:t>
+            </a:r>
+            <a:endParaRPr lang="en-US" dirty="0"/>
+          </a:p>
+        </p:txBody>
+      </p:sp>
+      <p:sp>
+        <p:nvSpPr>
+          <p:cNvPr id="8" name="TextBox 7"/>
+          <p:cNvSpPr txBox="1"/>
+          <p:nvPr/>
+        </p:nvSpPr>
+        <p:spPr>
+          <a:xfrm>
+            <a:off x="3830128" y="3488273"/>
+            <a:ext cx="3724674" cy="369332"/>
+          </a:xfrm>
+          <a:prstGeom prst="rect">
+            <a:avLst/>
+          </a:prstGeom>
+          <a:noFill/>
+        </p:spPr>
+        <p:txBody>
+          <a:bodyPr wrap="none" rtlCol="0">
+            <a:spAutoFit/>
+          </a:bodyPr>
+          <a:lstStyle/>
+          <a:p>
+            <a:r>
+              <a:rPr lang="en-US" dirty="0" err="1"/>
+              <a:t>библиотека:API</a:t>
+            </a:r>
+            <a:r>
+              <a:rPr lang="en-US" dirty="0"/>
+              <a:t> </a:t>
+            </a:r>
+            <a:r>
+              <a:rPr lang="en-US" dirty="0" smtClean="0"/>
+              <a:t>python-telegram-bot</a:t>
+            </a:r>
+            <a:endParaRPr lang="en-US" dirty="0"/>
+          </a:p>
+        </p:txBody>
+      </p:sp>
+      <p:pic>
+        <p:nvPicPr>
+          <p:cNvPr id="1026" name="Picture 2" descr="https://beecoder.org/media/logo/python_beecoder.org.png"/>
+          <p:cNvPicPr>
+            <a:picLocks noChangeAspect="1" noChangeArrowheads="1"/>
+          </p:cNvPicPr>
+          <p:nvPr/>
+        </p:nvPicPr>
+        <p:blipFill>
+          <a:blip r:embed="rId2" cstate="print">
+            <a:extLst>
+              <a:ext uri="{28A0092B-C50C-407E-A947-70E740481C1C}">
+                <a14:useLocalDpi xmlns:a14="http://schemas.microsoft.com/office/drawing/2010/main" val="0"/>
+              </a:ext>
+            </a:extLst>
+          </a:blip>
+          <a:srcRect/>
+          <a:stretch>
+            <a:fillRect/>
+          </a:stretch>
+        </p:blipFill>
+        <p:spPr bwMode="auto">
+          <a:xfrm>
+            <a:off x="390663" y="2251831"/>
+            <a:ext cx="1693823" cy="1693823"/>
+          </a:xfrm>
+          <a:prstGeom prst="rect">
+            <a:avLst/>
+          </a:prstGeom>
+          <a:noFill/>
+          <a:extLst>
+            <a:ext uri="{909E8E84-426E-40DD-AFC4-6F175D3DCCD1}">
+              <a14:hiddenFill xmlns:a14="http://schemas.microsoft.com/office/drawing/2010/main">
+                <a:solidFill>
+                  <a:srgbClr val="FFFFFF"/>
+                </a:solidFill>
+              </a14:hiddenFill>
+            </a:ext>
+          </a:extLst>
+        </p:spPr>
+      </p:pic>
+      <p:pic>
+        <p:nvPicPr>
+          <p:cNvPr id="1028" name="Picture 4" descr="https://pic.vsixhub.com/f3/60/f22f8f6b-2612-4f72-ae97-786f699de2f9-logo.png"/>
+          <p:cNvPicPr>
+            <a:picLocks noChangeAspect="1" noChangeArrowheads="1"/>
+          </p:cNvPicPr>
+          <p:nvPr/>
+        </p:nvPicPr>
+        <p:blipFill>
+          <a:blip r:embed="rId3" cstate="print">
+            <a:extLst>
+              <a:ext uri="{28A0092B-C50C-407E-A947-70E740481C1C}">
+                <a14:useLocalDpi xmlns:a14="http://schemas.microsoft.com/office/drawing/2010/main" val="0"/>
+              </a:ext>
+            </a:extLst>
+          </a:blip>
+          <a:srcRect/>
+          <a:stretch>
+            <a:fillRect/>
+          </a:stretch>
+        </p:blipFill>
+        <p:spPr bwMode="auto">
+          <a:xfrm>
+            <a:off x="1049236" y="4992017"/>
+            <a:ext cx="1676712" cy="1676712"/>
+          </a:xfrm>
+          <a:prstGeom prst="rect">
+            <a:avLst/>
+          </a:prstGeom>
+          <a:noFill/>
+          <a:extLst>
+            <a:ext uri="{909E8E84-426E-40DD-AFC4-6F175D3DCCD1}">
+              <a14:hiddenFill xmlns:a14="http://schemas.microsoft.com/office/drawing/2010/main">
+                <a:solidFill>
+                  <a:srgbClr val="FFFFFF"/>
+                </a:solidFill>
+              </a14:hiddenFill>
+            </a:ext>
+          </a:extLst>
+        </p:spPr>
+      </p:pic>
+      <p:pic>
+        <p:nvPicPr>
+          <p:cNvPr id="10" name="Рисунок 9"/>
+          <p:cNvPicPr>
+            <a:picLocks noChangeAspect="1"/>
+          </p:cNvPicPr>
+          <p:nvPr/>
+        </p:nvPicPr>
+        <p:blipFill>
+          <a:blip r:embed="rId4">
+            <a:extLst>
+              <a:ext uri="{28A0092B-C50C-407E-A947-70E740481C1C}">
+                <a14:useLocalDpi xmlns:a14="http://schemas.microsoft.com/office/drawing/2010/main" val="0"/>
+              </a:ext>
+            </a:extLst>
+          </a:blip>
+          <a:stretch>
+            <a:fillRect/>
+          </a:stretch>
+        </p:blipFill>
+        <p:spPr>
+          <a:xfrm>
+            <a:off x="8180537" y="2955355"/>
+            <a:ext cx="1282640" cy="1331972"/>
+          </a:xfrm>
+          <a:prstGeom prst="rect">
+            <a:avLst/>
+          </a:prstGeom>
+        </p:spPr>
+      </p:pic>
+      <p:pic>
+        <p:nvPicPr>
+          <p:cNvPr id="1030" name="Picture 6" descr="https://miro.medium.com/max/1200/0*B1XxqXxkoQk5kCP2"/>
+          <p:cNvPicPr>
+            <a:picLocks noChangeAspect="1" noChangeArrowheads="1"/>
+          </p:cNvPicPr>
+          <p:nvPr/>
+        </p:nvPicPr>
+        <p:blipFill>
+          <a:blip r:embed="rId5" cstate="print">
+            <a:extLst>
+              <a:ext uri="{28A0092B-C50C-407E-A947-70E740481C1C}">
+                <a14:useLocalDpi xmlns:a14="http://schemas.microsoft.com/office/drawing/2010/main" val="0"/>
+              </a:ext>
+            </a:extLst>
+          </a:blip>
+          <a:srcRect/>
+          <a:stretch>
+            <a:fillRect/>
+          </a:stretch>
+        </p:blipFill>
+        <p:spPr bwMode="auto">
+          <a:xfrm>
+            <a:off x="3991542" y="4068990"/>
+            <a:ext cx="3692106" cy="1846053"/>
+          </a:xfrm>
+          <a:prstGeom prst="rect">
+            <a:avLst/>
+          </a:prstGeom>
+          <a:noFill/>
+          <a:extLst>
+            <a:ext uri="{909E8E84-426E-40DD-AFC4-6F175D3DCCD1}">
+              <a14:hiddenFill xmlns:a14="http://schemas.microsoft.com/office/drawing/2010/main">
+                <a:solidFill>
+                  <a:srgbClr val="FFFFFF"/>
+                </a:solidFill>
+              </a14:hiddenFill>
+            </a:ext>
+          </a:extLst>
+        </p:spPr>
+      </p:pic>
     </p:spTree>
   </p:cSld>
   <p:clrMapOvr>
@@ -3333,7 +5296,14 @@
         <p:cNvGrpSpPr/>
         <p:nvPr/>
       </p:nvGrpSpPr>
-      <p:grpSpPr/>
+      <p:grpSpPr>
+        <a:xfrm>
+          <a:off x="0" y="0"/>
+          <a:ext cx="0" cy="0"/>
+          <a:chOff x="0" y="0"/>
+          <a:chExt cx="0" cy="0"/>
+        </a:xfrm>
+      </p:grpSpPr>
       <p:sp>
         <p:nvSpPr>
           <p:cNvPr id="2" name="Title 1"/>
@@ -3347,6 +5317,7 @@
         <p:spPr/>
         <p:txBody>
           <a:bodyPr/>
+          <a:lstStyle/>
           <a:p>
             <a:pPr algn="ctr"/>
             <a:r>
@@ -3356,10 +5327,6 @@
               </a:rPr>
               <a:t>Диаграмма классов</a:t>
             </a:r>
-            <a:endParaRPr lang="ru-RU" altLang="en-US" sz="3600" b="1">
-              <a:latin typeface="Times New Roman" panose="02020603050405020304" charset="0"/>
-              <a:cs typeface="Times New Roman" panose="02020603050405020304" charset="0"/>
-            </a:endParaRPr>
           </a:p>
         </p:txBody>
       </p:sp>
@@ -3367,14 +5334,14 @@
         <p:nvPicPr>
           <p:cNvPr id="4" name="Рисунок 1" descr="C:\Users\HP\AppData\Local\Microsoft\Windows\INetCache\Content.Word\Скриншот 02-05-2022 193630.jpg"/>
           <p:cNvPicPr>
-            <a:picLocks noChangeAspect="1" noChangeArrowheads="1"/>
+            <a:picLocks noGrp="1" noChangeAspect="1" noChangeArrowheads="1"/>
           </p:cNvPicPr>
           <p:nvPr>
             <p:ph idx="1"/>
           </p:nvPr>
         </p:nvPicPr>
         <p:blipFill>
-          <a:blip r:embed="rId1">
+          <a:blip r:embed="rId2">
             <a:extLst>
               <a:ext uri="{28A0092B-C50C-407E-A947-70E740481C1C}">
                 <a14:useLocalDpi xmlns:a14="http://schemas.microsoft.com/office/drawing/2010/main" val="0"/>
@@ -3417,7 +5384,14 @@
         <p:cNvGrpSpPr/>
         <p:nvPr/>
       </p:nvGrpSpPr>
-      <p:grpSpPr/>
+      <p:grpSpPr>
+        <a:xfrm>
+          <a:off x="0" y="0"/>
+          <a:ext cx="0" cy="0"/>
+          <a:chOff x="0" y="0"/>
+          <a:chExt cx="0" cy="0"/>
+        </a:xfrm>
+      </p:grpSpPr>
       <p:sp>
         <p:nvSpPr>
           <p:cNvPr id="2" name="Title 1"/>
@@ -3431,82 +5405,57 @@
         <p:spPr/>
         <p:txBody>
           <a:bodyPr/>
+          <a:lstStyle/>
           <a:p>
             <a:pPr algn="ctr"/>
             <a:r>
-              <a:rPr lang="ru-RU" altLang="en-US" sz="3600" b="1">
+              <a:rPr lang="ru-RU" altLang="en-US" sz="3600" b="1" dirty="0">
                 <a:latin typeface="Times New Roman" panose="02020603050405020304" charset="0"/>
                 <a:cs typeface="Times New Roman" panose="02020603050405020304" charset="0"/>
               </a:rPr>
               <a:t>Скриншоты</a:t>
             </a:r>
-            <a:endParaRPr lang="ru-RU" altLang="en-US" sz="3600" b="1">
-              <a:latin typeface="Times New Roman" panose="02020603050405020304" charset="0"/>
-              <a:cs typeface="Times New Roman" panose="02020603050405020304" charset="0"/>
-            </a:endParaRPr>
-          </a:p>
-        </p:txBody>
-      </p:sp>
-      <p:pic>
-        <p:nvPicPr>
-          <p:cNvPr id="1073742850" name="Content Placeholder 1073742849" descr="Скриншот 02-05-2022 201748"/>
-          <p:cNvPicPr>
-            <a:picLocks noChangeAspect="1"/>
-          </p:cNvPicPr>
+          </a:p>
+        </p:txBody>
+      </p:sp>
+      <p:sp>
+        <p:nvSpPr>
+          <p:cNvPr id="3" name="Объект 2"/>
+          <p:cNvSpPr>
+            <a:spLocks noGrp="1"/>
+          </p:cNvSpPr>
           <p:nvPr>
             <p:ph sz="half" idx="1"/>
           </p:nvPr>
-        </p:nvPicPr>
-        <p:blipFill>
-          <a:blip r:embed="rId1"/>
-          <a:stretch>
-            <a:fillRect/>
-          </a:stretch>
-        </p:blipFill>
-        <p:spPr>
-          <a:xfrm>
-            <a:off x="1878965" y="1825625"/>
-            <a:ext cx="3663315" cy="4780280"/>
-          </a:xfrm>
-          <a:prstGeom prst="rect">
-            <a:avLst/>
-          </a:prstGeom>
-          <a:noFill/>
-          <a:ln w="9525">
-            <a:noFill/>
-          </a:ln>
-        </p:spPr>
-      </p:pic>
-      <p:pic>
-        <p:nvPicPr>
-          <p:cNvPr id="1073742851" name="Content Placeholder 1073742850" descr="Скриншот 02-05-2022 201830"/>
-          <p:cNvPicPr>
-            <a:picLocks noChangeAspect="1"/>
-          </p:cNvPicPr>
+        </p:nvSpPr>
+        <p:spPr/>
+        <p:txBody>
+          <a:bodyPr/>
+          <a:lstStyle/>
+          <a:p>
+            <a:endParaRPr lang="ru-RU"/>
+          </a:p>
+        </p:txBody>
+      </p:sp>
+      <p:sp>
+        <p:nvSpPr>
+          <p:cNvPr id="4" name="Объект 3"/>
+          <p:cNvSpPr>
+            <a:spLocks noGrp="1"/>
+          </p:cNvSpPr>
           <p:nvPr>
             <p:ph sz="half" idx="2"/>
           </p:nvPr>
-        </p:nvPicPr>
-        <p:blipFill>
-          <a:blip r:embed="rId2"/>
-          <a:stretch>
-            <a:fillRect/>
-          </a:stretch>
-        </p:blipFill>
-        <p:spPr>
-          <a:xfrm>
-            <a:off x="6570345" y="1825625"/>
-            <a:ext cx="3489960" cy="4838700"/>
-          </a:xfrm>
-          <a:prstGeom prst="rect">
-            <a:avLst/>
-          </a:prstGeom>
-          <a:noFill/>
-          <a:ln w="9525">
-            <a:noFill/>
-          </a:ln>
-        </p:spPr>
-      </p:pic>
+        </p:nvSpPr>
+        <p:spPr/>
+        <p:txBody>
+          <a:bodyPr/>
+          <a:lstStyle/>
+          <a:p>
+            <a:endParaRPr lang="ru-RU"/>
+          </a:p>
+        </p:txBody>
+      </p:sp>
     </p:spTree>
   </p:cSld>
   <p:clrMapOvr>
@@ -3766,6 +5715,8 @@
       </a:bgFillStyleLst>
     </a:fmtScheme>
   </a:themeElements>
+  <a:objectDefaults/>
+  <a:extraClrSchemeLst/>
   <a:extLst>
     <a:ext uri="{05A4C25C-085E-4340-85A3-A5531E510DB2}">
       <thm15:themeFamily xmlns:thm15="http://schemas.microsoft.com/office/thememl/2012/main" name="Office Theme" id="{62F939B6-93AF-4DB8-9C6B-D6C7DFDC589F}" vid="{4A3C46E8-61CC-4603-A589-7422A47A8E4A}"/>
